--- a/Atliq Mart Promotion Analysis.pptx
+++ b/Atliq Mart Promotion Analysis.pptx
@@ -191,7 +191,7 @@
   </p:defaultTextStyle>
   <p:extLst>
     <p:ext uri="{EFAFB233-063F-42B5-8137-9DF3F51BA10A}">
-      <p15:sldGuideLst xmlns:p15="http://schemas.microsoft.com/office/powerpoint/2012/main" xmlns="">
+      <p15:sldGuideLst xmlns="" xmlns:p15="http://schemas.microsoft.com/office/powerpoint/2012/main">
         <p15:guide id="1" orient="horz" pos="1536" userDrawn="1">
           <p15:clr>
             <a:srgbClr val="A4A3A4"/>
@@ -205,7 +205,7 @@
       </p15:sldGuideLst>
     </p:ext>
     <p:ext uri="{2D200454-40CA-4A62-9FC3-DE9A4176ACB9}">
-      <p15:notesGuideLst xmlns:p15="http://schemas.microsoft.com/office/powerpoint/2012/main" xmlns=""/>
+      <p15:notesGuideLst xmlns="" xmlns:p15="http://schemas.microsoft.com/office/powerpoint/2012/main"/>
     </p:ext>
   </p:extLst>
 </p:presentation>
@@ -244,7 +244,7 @@
           <p:cNvPr id="2" name="Header Placeholder 1">
             <a:extLst>
               <a:ext uri="{FF2B5EF4-FFF2-40B4-BE49-F238E27FC236}">
-                <a16:creationId xmlns:a16="http://schemas.microsoft.com/office/drawing/2014/main" xmlns="" id="{C27E3961-5613-64C6-63C3-6085D0CDAE5B}"/>
+                <a16:creationId xmlns="" xmlns:a16="http://schemas.microsoft.com/office/drawing/2014/main" id="{C27E3961-5613-64C6-63C3-6085D0CDAE5B}"/>
               </a:ext>
             </a:extLst>
           </p:cNvPr>
@@ -281,7 +281,7 @@
           <p:cNvPr id="3" name="Date Placeholder 2">
             <a:extLst>
               <a:ext uri="{FF2B5EF4-FFF2-40B4-BE49-F238E27FC236}">
-                <a16:creationId xmlns:a16="http://schemas.microsoft.com/office/drawing/2014/main" xmlns="" id="{506D1F08-FF42-95F6-3130-AE63E5604876}"/>
+                <a16:creationId xmlns="" xmlns:a16="http://schemas.microsoft.com/office/drawing/2014/main" id="{506D1F08-FF42-95F6-3130-AE63E5604876}"/>
               </a:ext>
             </a:extLst>
           </p:cNvPr>
@@ -311,7 +311,7 @@
           <a:p>
             <a:fld id="{8CD26A2A-0A96-0647-84E5-C82F2EFD9474}" type="datetimeFigureOut">
               <a:rPr lang="en-US" smtClean="0"/>
-              <a:t>2/28/2024</a:t>
+              <a:t>3/1/2024</a:t>
             </a:fld>
             <a:endParaRPr lang="en-US" dirty="0"/>
           </a:p>
@@ -322,7 +322,7 @@
           <p:cNvPr id="4" name="Footer Placeholder 3">
             <a:extLst>
               <a:ext uri="{FF2B5EF4-FFF2-40B4-BE49-F238E27FC236}">
-                <a16:creationId xmlns:a16="http://schemas.microsoft.com/office/drawing/2014/main" xmlns="" id="{4CD5B35B-A046-EC3C-A80E-3D9D12C14980}"/>
+                <a16:creationId xmlns="" xmlns:a16="http://schemas.microsoft.com/office/drawing/2014/main" id="{4CD5B35B-A046-EC3C-A80E-3D9D12C14980}"/>
               </a:ext>
             </a:extLst>
           </p:cNvPr>
@@ -359,7 +359,7 @@
           <p:cNvPr id="5" name="Slide Number Placeholder 4">
             <a:extLst>
               <a:ext uri="{FF2B5EF4-FFF2-40B4-BE49-F238E27FC236}">
-                <a16:creationId xmlns:a16="http://schemas.microsoft.com/office/drawing/2014/main" xmlns="" id="{7202DDE3-703C-8B4C-9506-EC0A39AACDD5}"/>
+                <a16:creationId xmlns="" xmlns:a16="http://schemas.microsoft.com/office/drawing/2014/main" id="{7202DDE3-703C-8B4C-9506-EC0A39AACDD5}"/>
               </a:ext>
             </a:extLst>
           </p:cNvPr>
@@ -433,7 +433,7 @@
           <p:cNvPr id="8" name="Header Placeholder 7">
             <a:extLst>
               <a:ext uri="{FF2B5EF4-FFF2-40B4-BE49-F238E27FC236}">
-                <a16:creationId xmlns:a16="http://schemas.microsoft.com/office/drawing/2014/main" xmlns="" id="{ED2950FC-64C0-50D7-5101-884A13ED2F1A}"/>
+                <a16:creationId xmlns="" xmlns:a16="http://schemas.microsoft.com/office/drawing/2014/main" id="{ED2950FC-64C0-50D7-5101-884A13ED2F1A}"/>
               </a:ext>
             </a:extLst>
           </p:cNvPr>
@@ -470,7 +470,7 @@
           <p:cNvPr id="9" name="Slide Image Placeholder 8">
             <a:extLst>
               <a:ext uri="{FF2B5EF4-FFF2-40B4-BE49-F238E27FC236}">
-                <a16:creationId xmlns:a16="http://schemas.microsoft.com/office/drawing/2014/main" xmlns="" id="{CEA88831-A930-596B-0685-672024BE2711}"/>
+                <a16:creationId xmlns="" xmlns:a16="http://schemas.microsoft.com/office/drawing/2014/main" id="{CEA88831-A930-596B-0685-672024BE2711}"/>
               </a:ext>
             </a:extLst>
           </p:cNvPr>
@@ -509,7 +509,7 @@
           <p:cNvPr id="10" name="Footer Placeholder 9">
             <a:extLst>
               <a:ext uri="{FF2B5EF4-FFF2-40B4-BE49-F238E27FC236}">
-                <a16:creationId xmlns:a16="http://schemas.microsoft.com/office/drawing/2014/main" xmlns="" id="{2A3FD0A0-F4FB-BC20-358F-C4F179AA8980}"/>
+                <a16:creationId xmlns="" xmlns:a16="http://schemas.microsoft.com/office/drawing/2014/main" id="{2A3FD0A0-F4FB-BC20-358F-C4F179AA8980}"/>
               </a:ext>
             </a:extLst>
           </p:cNvPr>
@@ -546,7 +546,7 @@
           <p:cNvPr id="11" name="Date Placeholder 10">
             <a:extLst>
               <a:ext uri="{FF2B5EF4-FFF2-40B4-BE49-F238E27FC236}">
-                <a16:creationId xmlns:a16="http://schemas.microsoft.com/office/drawing/2014/main" xmlns="" id="{2D389891-233D-6282-224F-6B8EC0182D20}"/>
+                <a16:creationId xmlns="" xmlns:a16="http://schemas.microsoft.com/office/drawing/2014/main" id="{2D389891-233D-6282-224F-6B8EC0182D20}"/>
               </a:ext>
             </a:extLst>
           </p:cNvPr>
@@ -576,7 +576,7 @@
           <a:p>
             <a:fld id="{5AD61DD8-56E8-44DB-8D68-9188DEA50502}" type="datetimeFigureOut">
               <a:rPr lang="en-US" smtClean="0"/>
-              <a:t>2/28/2024</a:t>
+              <a:t>3/1/2024</a:t>
             </a:fld>
             <a:endParaRPr lang="en-US"/>
           </a:p>
@@ -587,7 +587,7 @@
           <p:cNvPr id="12" name="Notes Placeholder 11">
             <a:extLst>
               <a:ext uri="{FF2B5EF4-FFF2-40B4-BE49-F238E27FC236}">
-                <a16:creationId xmlns:a16="http://schemas.microsoft.com/office/drawing/2014/main" xmlns="" id="{F2A2D99A-04B6-3AD9-B6DA-EEE29FB0DDFD}"/>
+                <a16:creationId xmlns="" xmlns:a16="http://schemas.microsoft.com/office/drawing/2014/main" id="{F2A2D99A-04B6-3AD9-B6DA-EEE29FB0DDFD}"/>
               </a:ext>
             </a:extLst>
           </p:cNvPr>
@@ -652,7 +652,7 @@
           <p:cNvPr id="13" name="Slide Number Placeholder 12">
             <a:extLst>
               <a:ext uri="{FF2B5EF4-FFF2-40B4-BE49-F238E27FC236}">
-                <a16:creationId xmlns:a16="http://schemas.microsoft.com/office/drawing/2014/main" xmlns="" id="{AEF4F81C-C1F0-7738-A271-96AF417D7F89}"/>
+                <a16:creationId xmlns="" xmlns:a16="http://schemas.microsoft.com/office/drawing/2014/main" id="{AEF4F81C-C1F0-7738-A271-96AF417D7F89}"/>
               </a:ext>
             </a:extLst>
           </p:cNvPr>
@@ -1663,7 +1663,7 @@
           <p:cNvPr id="3" name="Title 2">
             <a:extLst>
               <a:ext uri="{FF2B5EF4-FFF2-40B4-BE49-F238E27FC236}">
-                <a16:creationId xmlns:a16="http://schemas.microsoft.com/office/drawing/2014/main" xmlns="" id="{7EC2501B-DEA6-190E-3633-E32F635B7CE1}"/>
+                <a16:creationId xmlns="" xmlns:a16="http://schemas.microsoft.com/office/drawing/2014/main" id="{7EC2501B-DEA6-190E-3633-E32F635B7CE1}"/>
               </a:ext>
             </a:extLst>
           </p:cNvPr>
@@ -1698,7 +1698,7 @@
           <p:cNvPr id="24" name="Straight Connector 2">
             <a:extLst>
               <a:ext uri="{FF2B5EF4-FFF2-40B4-BE49-F238E27FC236}">
-                <a16:creationId xmlns:a16="http://schemas.microsoft.com/office/drawing/2014/main" xmlns="" id="{F1FCCFDB-D985-4322-AC87-F69214893708}"/>
+                <a16:creationId xmlns="" xmlns:a16="http://schemas.microsoft.com/office/drawing/2014/main" id="{F1FCCFDB-D985-4322-AC87-F69214893708}"/>
               </a:ext>
             </a:extLst>
           </p:cNvPr>
@@ -1729,7 +1729,7 @@
           <p:cNvPr id="27" name="Content placeholder 47" descr="Click icon to add picture">
             <a:extLst>
               <a:ext uri="{FF2B5EF4-FFF2-40B4-BE49-F238E27FC236}">
-                <a16:creationId xmlns:a16="http://schemas.microsoft.com/office/drawing/2014/main" xmlns="" id="{EA8265B5-83C5-4AE9-88AB-3F2443B57F00}"/>
+                <a16:creationId xmlns="" xmlns:a16="http://schemas.microsoft.com/office/drawing/2014/main" id="{EA8265B5-83C5-4AE9-88AB-3F2443B57F00}"/>
               </a:ext>
             </a:extLst>
           </p:cNvPr>
@@ -1792,7 +1792,7 @@
           <p:cNvPr id="47" name="Content placeholder 47">
             <a:extLst>
               <a:ext uri="{FF2B5EF4-FFF2-40B4-BE49-F238E27FC236}">
-                <a16:creationId xmlns:a16="http://schemas.microsoft.com/office/drawing/2014/main" xmlns="" id="{0FFAAB58-ABE4-41AC-B94E-432936CE0301}"/>
+                <a16:creationId xmlns="" xmlns:a16="http://schemas.microsoft.com/office/drawing/2014/main" id="{0FFAAB58-ABE4-41AC-B94E-432936CE0301}"/>
               </a:ext>
             </a:extLst>
           </p:cNvPr>
@@ -2020,7 +2020,7 @@
           <p:cNvPr id="9" name="Freeform: Shape 11">
             <a:extLst>
               <a:ext uri="{FF2B5EF4-FFF2-40B4-BE49-F238E27FC236}">
-                <a16:creationId xmlns:a16="http://schemas.microsoft.com/office/drawing/2014/main" xmlns="" id="{9ECA281C-F2CB-AE9D-DCD6-F94D3FEE2E67}"/>
+                <a16:creationId xmlns="" xmlns:a16="http://schemas.microsoft.com/office/drawing/2014/main" id="{9ECA281C-F2CB-AE9D-DCD6-F94D3FEE2E67}"/>
               </a:ext>
             </a:extLst>
           </p:cNvPr>
@@ -2166,7 +2166,7 @@
   </p:clrMapOvr>
   <p:extLst>
     <p:ext uri="{DCECCB84-F9BA-43D5-87BE-67443E8EF086}">
-      <p15:sldGuideLst xmlns:p15="http://schemas.microsoft.com/office/powerpoint/2012/main" xmlns="">
+      <p15:sldGuideLst xmlns="" xmlns:p15="http://schemas.microsoft.com/office/powerpoint/2012/main">
         <p15:guide id="1" pos="528">
           <p15:clr>
             <a:srgbClr val="FBAE40"/>
@@ -2205,7 +2205,7 @@
           <p:cNvPr id="4" name="Freeform: Shape 6">
             <a:extLst>
               <a:ext uri="{FF2B5EF4-FFF2-40B4-BE49-F238E27FC236}">
-                <a16:creationId xmlns:a16="http://schemas.microsoft.com/office/drawing/2014/main" xmlns="" id="{A533F602-EEC9-45F6-8223-8C8F4914919D}"/>
+                <a16:creationId xmlns="" xmlns:a16="http://schemas.microsoft.com/office/drawing/2014/main" id="{A533F602-EEC9-45F6-8223-8C8F4914919D}"/>
               </a:ext>
             </a:extLst>
           </p:cNvPr>
@@ -2346,7 +2346,7 @@
           <p:cNvPr id="5" name="Freeform: Shape 7">
             <a:extLst>
               <a:ext uri="{FF2B5EF4-FFF2-40B4-BE49-F238E27FC236}">
-                <a16:creationId xmlns:a16="http://schemas.microsoft.com/office/drawing/2014/main" xmlns="" id="{08F73F8C-5CF8-4470-AE2B-8E6D7952FF3E}"/>
+                <a16:creationId xmlns="" xmlns:a16="http://schemas.microsoft.com/office/drawing/2014/main" id="{08F73F8C-5CF8-4470-AE2B-8E6D7952FF3E}"/>
               </a:ext>
             </a:extLst>
           </p:cNvPr>
@@ -2487,7 +2487,7 @@
           <p:cNvPr id="6" name="Freeform: Shape 8">
             <a:extLst>
               <a:ext uri="{FF2B5EF4-FFF2-40B4-BE49-F238E27FC236}">
-                <a16:creationId xmlns:a16="http://schemas.microsoft.com/office/drawing/2014/main" xmlns="" id="{1299AD72-44AB-4D37-ABBB-9E295508DDB5}"/>
+                <a16:creationId xmlns="" xmlns:a16="http://schemas.microsoft.com/office/drawing/2014/main" id="{1299AD72-44AB-4D37-ABBB-9E295508DDB5}"/>
               </a:ext>
             </a:extLst>
           </p:cNvPr>
@@ -2628,7 +2628,7 @@
           <p:cNvPr id="7" name="Freeform: Shape 9">
             <a:extLst>
               <a:ext uri="{FF2B5EF4-FFF2-40B4-BE49-F238E27FC236}">
-                <a16:creationId xmlns:a16="http://schemas.microsoft.com/office/drawing/2014/main" xmlns="" id="{834981F1-A16D-4CA2-8001-0D2A65539268}"/>
+                <a16:creationId xmlns="" xmlns:a16="http://schemas.microsoft.com/office/drawing/2014/main" id="{834981F1-A16D-4CA2-8001-0D2A65539268}"/>
               </a:ext>
             </a:extLst>
           </p:cNvPr>
@@ -2769,7 +2769,7 @@
           <p:cNvPr id="31" name="Content placeholder 47" descr="Click icon to add picture">
             <a:extLst>
               <a:ext uri="{FF2B5EF4-FFF2-40B4-BE49-F238E27FC236}">
-                <a16:creationId xmlns:a16="http://schemas.microsoft.com/office/drawing/2014/main" xmlns="" id="{7AA46292-B7E4-4DB5-85D0-C4F19D66F86C}"/>
+                <a16:creationId xmlns="" xmlns:a16="http://schemas.microsoft.com/office/drawing/2014/main" id="{7AA46292-B7E4-4DB5-85D0-C4F19D66F86C}"/>
               </a:ext>
             </a:extLst>
           </p:cNvPr>
@@ -2832,7 +2832,7 @@
           <p:cNvPr id="32" name="Content placeholder 47">
             <a:extLst>
               <a:ext uri="{FF2B5EF4-FFF2-40B4-BE49-F238E27FC236}">
-                <a16:creationId xmlns:a16="http://schemas.microsoft.com/office/drawing/2014/main" xmlns="" id="{382E7D57-1A1A-432F-AEA9-9730DEE1572B}"/>
+                <a16:creationId xmlns="" xmlns:a16="http://schemas.microsoft.com/office/drawing/2014/main" id="{382E7D57-1A1A-432F-AEA9-9730DEE1572B}"/>
               </a:ext>
             </a:extLst>
           </p:cNvPr>
@@ -2910,7 +2910,7 @@
           <p:cNvPr id="33" name="Content placeholder 47" descr="Click icon to add picture">
             <a:extLst>
               <a:ext uri="{FF2B5EF4-FFF2-40B4-BE49-F238E27FC236}">
-                <a16:creationId xmlns:a16="http://schemas.microsoft.com/office/drawing/2014/main" xmlns="" id="{E51F0384-440E-45B9-91E7-78CA13DE0B98}"/>
+                <a16:creationId xmlns="" xmlns:a16="http://schemas.microsoft.com/office/drawing/2014/main" id="{E51F0384-440E-45B9-91E7-78CA13DE0B98}"/>
               </a:ext>
             </a:extLst>
           </p:cNvPr>
@@ -2973,7 +2973,7 @@
           <p:cNvPr id="34" name="Content placeholder 47">
             <a:extLst>
               <a:ext uri="{FF2B5EF4-FFF2-40B4-BE49-F238E27FC236}">
-                <a16:creationId xmlns:a16="http://schemas.microsoft.com/office/drawing/2014/main" xmlns="" id="{35EAE525-3692-40E8-894E-B19171FF64F6}"/>
+                <a16:creationId xmlns="" xmlns:a16="http://schemas.microsoft.com/office/drawing/2014/main" id="{35EAE525-3692-40E8-894E-B19171FF64F6}"/>
               </a:ext>
             </a:extLst>
           </p:cNvPr>
@@ -3051,7 +3051,7 @@
           <p:cNvPr id="35" name="Content placeholder 47" descr="Click icon to add picture">
             <a:extLst>
               <a:ext uri="{FF2B5EF4-FFF2-40B4-BE49-F238E27FC236}">
-                <a16:creationId xmlns:a16="http://schemas.microsoft.com/office/drawing/2014/main" xmlns="" id="{847DC539-F391-4470-96EB-486AB02DADBB}"/>
+                <a16:creationId xmlns="" xmlns:a16="http://schemas.microsoft.com/office/drawing/2014/main" id="{847DC539-F391-4470-96EB-486AB02DADBB}"/>
               </a:ext>
             </a:extLst>
           </p:cNvPr>
@@ -3114,7 +3114,7 @@
           <p:cNvPr id="36" name="Content placeholder 47">
             <a:extLst>
               <a:ext uri="{FF2B5EF4-FFF2-40B4-BE49-F238E27FC236}">
-                <a16:creationId xmlns:a16="http://schemas.microsoft.com/office/drawing/2014/main" xmlns="" id="{50988645-D146-4AFE-B87D-279279577176}"/>
+                <a16:creationId xmlns="" xmlns:a16="http://schemas.microsoft.com/office/drawing/2014/main" id="{50988645-D146-4AFE-B87D-279279577176}"/>
               </a:ext>
             </a:extLst>
           </p:cNvPr>
@@ -3192,7 +3192,7 @@
           <p:cNvPr id="37" name="Content placeholder 47" descr="Click icon to add picture">
             <a:extLst>
               <a:ext uri="{FF2B5EF4-FFF2-40B4-BE49-F238E27FC236}">
-                <a16:creationId xmlns:a16="http://schemas.microsoft.com/office/drawing/2014/main" xmlns="" id="{6712E8AC-14E0-42CC-8037-7C1D0E044B61}"/>
+                <a16:creationId xmlns="" xmlns:a16="http://schemas.microsoft.com/office/drawing/2014/main" id="{6712E8AC-14E0-42CC-8037-7C1D0E044B61}"/>
               </a:ext>
             </a:extLst>
           </p:cNvPr>
@@ -3255,7 +3255,7 @@
           <p:cNvPr id="38" name="Content placeholder 47">
             <a:extLst>
               <a:ext uri="{FF2B5EF4-FFF2-40B4-BE49-F238E27FC236}">
-                <a16:creationId xmlns:a16="http://schemas.microsoft.com/office/drawing/2014/main" xmlns="" id="{C68DF822-6F14-4839-BD33-6874C8136EE0}"/>
+                <a16:creationId xmlns="" xmlns:a16="http://schemas.microsoft.com/office/drawing/2014/main" id="{C68DF822-6F14-4839-BD33-6874C8136EE0}"/>
               </a:ext>
             </a:extLst>
           </p:cNvPr>
@@ -3333,7 +3333,7 @@
           <p:cNvPr id="39" name="Content placeholder 47" descr="Click icon to add picture">
             <a:extLst>
               <a:ext uri="{FF2B5EF4-FFF2-40B4-BE49-F238E27FC236}">
-                <a16:creationId xmlns:a16="http://schemas.microsoft.com/office/drawing/2014/main" xmlns="" id="{2D1F75C7-DA21-4400-B066-F38190B4F520}"/>
+                <a16:creationId xmlns="" xmlns:a16="http://schemas.microsoft.com/office/drawing/2014/main" id="{2D1F75C7-DA21-4400-B066-F38190B4F520}"/>
               </a:ext>
             </a:extLst>
           </p:cNvPr>
@@ -3396,7 +3396,7 @@
           <p:cNvPr id="40" name="Content placeholder 47">
             <a:extLst>
               <a:ext uri="{FF2B5EF4-FFF2-40B4-BE49-F238E27FC236}">
-                <a16:creationId xmlns:a16="http://schemas.microsoft.com/office/drawing/2014/main" xmlns="" id="{F7CF6BF0-A40D-4F18-B9DF-D9C4106065D2}"/>
+                <a16:creationId xmlns="" xmlns:a16="http://schemas.microsoft.com/office/drawing/2014/main" id="{F7CF6BF0-A40D-4F18-B9DF-D9C4106065D2}"/>
               </a:ext>
             </a:extLst>
           </p:cNvPr>
@@ -3474,7 +3474,7 @@
           <p:cNvPr id="41" name="Content placeholder 47">
             <a:extLst>
               <a:ext uri="{FF2B5EF4-FFF2-40B4-BE49-F238E27FC236}">
-                <a16:creationId xmlns:a16="http://schemas.microsoft.com/office/drawing/2014/main" xmlns="" id="{95C6B2A2-937E-4C7D-92E3-8A105DD43A98}"/>
+                <a16:creationId xmlns="" xmlns:a16="http://schemas.microsoft.com/office/drawing/2014/main" id="{95C6B2A2-937E-4C7D-92E3-8A105DD43A98}"/>
               </a:ext>
             </a:extLst>
           </p:cNvPr>
@@ -3708,7 +3708,7 @@
           <p:cNvPr id="42" name="Content placeholder 47">
             <a:extLst>
               <a:ext uri="{FF2B5EF4-FFF2-40B4-BE49-F238E27FC236}">
-                <a16:creationId xmlns:a16="http://schemas.microsoft.com/office/drawing/2014/main" xmlns="" id="{A9ECEF10-95EB-4F03-B3B1-8FC0E421618E}"/>
+                <a16:creationId xmlns="" xmlns:a16="http://schemas.microsoft.com/office/drawing/2014/main" id="{A9ECEF10-95EB-4F03-B3B1-8FC0E421618E}"/>
               </a:ext>
             </a:extLst>
           </p:cNvPr>
@@ -3942,7 +3942,7 @@
           <p:cNvPr id="43" name="Content placeholder 47">
             <a:extLst>
               <a:ext uri="{FF2B5EF4-FFF2-40B4-BE49-F238E27FC236}">
-                <a16:creationId xmlns:a16="http://schemas.microsoft.com/office/drawing/2014/main" xmlns="" id="{12D92FE1-9874-49B8-8FDC-F903A4843015}"/>
+                <a16:creationId xmlns="" xmlns:a16="http://schemas.microsoft.com/office/drawing/2014/main" id="{12D92FE1-9874-49B8-8FDC-F903A4843015}"/>
               </a:ext>
             </a:extLst>
           </p:cNvPr>
@@ -4176,7 +4176,7 @@
           <p:cNvPr id="44" name="Content placeholder 47">
             <a:extLst>
               <a:ext uri="{FF2B5EF4-FFF2-40B4-BE49-F238E27FC236}">
-                <a16:creationId xmlns:a16="http://schemas.microsoft.com/office/drawing/2014/main" xmlns="" id="{12070F52-AB91-476E-9FE0-5403568A11DD}"/>
+                <a16:creationId xmlns="" xmlns:a16="http://schemas.microsoft.com/office/drawing/2014/main" id="{12070F52-AB91-476E-9FE0-5403568A11DD}"/>
               </a:ext>
             </a:extLst>
           </p:cNvPr>
@@ -4410,7 +4410,7 @@
           <p:cNvPr id="45" name="Content placeholder 47">
             <a:extLst>
               <a:ext uri="{FF2B5EF4-FFF2-40B4-BE49-F238E27FC236}">
-                <a16:creationId xmlns:a16="http://schemas.microsoft.com/office/drawing/2014/main" xmlns="" id="{13AE459B-26D7-43FC-BE0B-EF7B119D7D40}"/>
+                <a16:creationId xmlns="" xmlns:a16="http://schemas.microsoft.com/office/drawing/2014/main" id="{13AE459B-26D7-43FC-BE0B-EF7B119D7D40}"/>
               </a:ext>
             </a:extLst>
           </p:cNvPr>
@@ -4644,7 +4644,7 @@
           <p:cNvPr id="25" name="Title Placeholder 4">
             <a:extLst>
               <a:ext uri="{FF2B5EF4-FFF2-40B4-BE49-F238E27FC236}">
-                <a16:creationId xmlns:a16="http://schemas.microsoft.com/office/drawing/2014/main" xmlns="" id="{C8ECEE37-7B17-4FD7-2612-FBD357E10418}"/>
+                <a16:creationId xmlns="" xmlns:a16="http://schemas.microsoft.com/office/drawing/2014/main" id="{C8ECEE37-7B17-4FD7-2612-FBD357E10418}"/>
               </a:ext>
             </a:extLst>
           </p:cNvPr>
@@ -4691,7 +4691,7 @@
           <p:cNvPr id="2" name="Footer Placeholder 1">
             <a:extLst>
               <a:ext uri="{FF2B5EF4-FFF2-40B4-BE49-F238E27FC236}">
-                <a16:creationId xmlns:a16="http://schemas.microsoft.com/office/drawing/2014/main" xmlns="" id="{F7F2CD23-FF0B-8184-9F40-957043412F1C}"/>
+                <a16:creationId xmlns="" xmlns:a16="http://schemas.microsoft.com/office/drawing/2014/main" id="{F7F2CD23-FF0B-8184-9F40-957043412F1C}"/>
               </a:ext>
             </a:extLst>
           </p:cNvPr>
@@ -4730,7 +4730,7 @@
           <p:cNvPr id="3" name="Slide Number Placeholder 2">
             <a:extLst>
               <a:ext uri="{FF2B5EF4-FFF2-40B4-BE49-F238E27FC236}">
-                <a16:creationId xmlns:a16="http://schemas.microsoft.com/office/drawing/2014/main" xmlns="" id="{7876D293-58F2-B8E9-6576-2676F210D7CF}"/>
+                <a16:creationId xmlns="" xmlns:a16="http://schemas.microsoft.com/office/drawing/2014/main" id="{7876D293-58F2-B8E9-6576-2676F210D7CF}"/>
               </a:ext>
             </a:extLst>
           </p:cNvPr>
@@ -4800,7 +4800,7 @@
           <p:cNvPr id="32" name="Content placeholder 47">
             <a:extLst>
               <a:ext uri="{FF2B5EF4-FFF2-40B4-BE49-F238E27FC236}">
-                <a16:creationId xmlns:a16="http://schemas.microsoft.com/office/drawing/2014/main" xmlns="" id="{67FF6BA4-2B1B-4B51-9FE3-A67E3DCC3184}"/>
+                <a16:creationId xmlns="" xmlns:a16="http://schemas.microsoft.com/office/drawing/2014/main" id="{67FF6BA4-2B1B-4B51-9FE3-A67E3DCC3184}"/>
               </a:ext>
             </a:extLst>
           </p:cNvPr>
@@ -4872,7 +4872,7 @@
           <p:cNvPr id="30" name="Content placeholder 47">
             <a:extLst>
               <a:ext uri="{FF2B5EF4-FFF2-40B4-BE49-F238E27FC236}">
-                <a16:creationId xmlns:a16="http://schemas.microsoft.com/office/drawing/2014/main" xmlns="" id="{88E2377A-ED6B-4D69-A9DC-647CB22A5204}"/>
+                <a16:creationId xmlns="" xmlns:a16="http://schemas.microsoft.com/office/drawing/2014/main" id="{88E2377A-ED6B-4D69-A9DC-647CB22A5204}"/>
               </a:ext>
             </a:extLst>
           </p:cNvPr>
@@ -4944,7 +4944,7 @@
           <p:cNvPr id="31" name="Content placeholder 47">
             <a:extLst>
               <a:ext uri="{FF2B5EF4-FFF2-40B4-BE49-F238E27FC236}">
-                <a16:creationId xmlns:a16="http://schemas.microsoft.com/office/drawing/2014/main" xmlns="" id="{ECC27D7D-FA65-E93F-3C7E-AADBF7E0CC2C}"/>
+                <a16:creationId xmlns="" xmlns:a16="http://schemas.microsoft.com/office/drawing/2014/main" id="{ECC27D7D-FA65-E93F-3C7E-AADBF7E0CC2C}"/>
               </a:ext>
             </a:extLst>
           </p:cNvPr>
@@ -5016,7 +5016,7 @@
           <p:cNvPr id="33" name="Content placeholder 47">
             <a:extLst>
               <a:ext uri="{FF2B5EF4-FFF2-40B4-BE49-F238E27FC236}">
-                <a16:creationId xmlns:a16="http://schemas.microsoft.com/office/drawing/2014/main" xmlns="" id="{DF5280E4-E86B-9E17-04A1-072A8148C3BD}"/>
+                <a16:creationId xmlns="" xmlns:a16="http://schemas.microsoft.com/office/drawing/2014/main" id="{DF5280E4-E86B-9E17-04A1-072A8148C3BD}"/>
               </a:ext>
             </a:extLst>
           </p:cNvPr>
@@ -5088,7 +5088,7 @@
           <p:cNvPr id="37" name="Content placeholder 47">
             <a:extLst>
               <a:ext uri="{FF2B5EF4-FFF2-40B4-BE49-F238E27FC236}">
-                <a16:creationId xmlns:a16="http://schemas.microsoft.com/office/drawing/2014/main" xmlns="" id="{42F4F0D3-AF64-7F92-FF1C-F5D1DC62A388}"/>
+                <a16:creationId xmlns="" xmlns:a16="http://schemas.microsoft.com/office/drawing/2014/main" id="{42F4F0D3-AF64-7F92-FF1C-F5D1DC62A388}"/>
               </a:ext>
             </a:extLst>
           </p:cNvPr>
@@ -5160,7 +5160,7 @@
           <p:cNvPr id="27" name="Content placeholder 47">
             <a:extLst>
               <a:ext uri="{FF2B5EF4-FFF2-40B4-BE49-F238E27FC236}">
-                <a16:creationId xmlns:a16="http://schemas.microsoft.com/office/drawing/2014/main" xmlns="" id="{43D089D6-48B5-43AB-A887-EEF910BA9161}"/>
+                <a16:creationId xmlns="" xmlns:a16="http://schemas.microsoft.com/office/drawing/2014/main" id="{43D089D6-48B5-43AB-A887-EEF910BA9161}"/>
               </a:ext>
             </a:extLst>
           </p:cNvPr>
@@ -5219,7 +5219,7 @@
           <p:cNvPr id="24" name="Title Placeholder 4">
             <a:extLst>
               <a:ext uri="{FF2B5EF4-FFF2-40B4-BE49-F238E27FC236}">
-                <a16:creationId xmlns:a16="http://schemas.microsoft.com/office/drawing/2014/main" xmlns="" id="{69ABDED2-7EB3-3ABE-90D0-E6C00F806D0F}"/>
+                <a16:creationId xmlns="" xmlns:a16="http://schemas.microsoft.com/office/drawing/2014/main" id="{69ABDED2-7EB3-3ABE-90D0-E6C00F806D0F}"/>
               </a:ext>
             </a:extLst>
           </p:cNvPr>
@@ -5266,7 +5266,7 @@
           <p:cNvPr id="25" name="Content placeholder 47">
             <a:extLst>
               <a:ext uri="{FF2B5EF4-FFF2-40B4-BE49-F238E27FC236}">
-                <a16:creationId xmlns:a16="http://schemas.microsoft.com/office/drawing/2014/main" xmlns="" id="{476A31DC-7395-007C-8BA1-C38E5B289CF5}"/>
+                <a16:creationId xmlns="" xmlns:a16="http://schemas.microsoft.com/office/drawing/2014/main" id="{476A31DC-7395-007C-8BA1-C38E5B289CF5}"/>
               </a:ext>
             </a:extLst>
           </p:cNvPr>
@@ -5325,7 +5325,7 @@
           <p:cNvPr id="26" name="Content placeholder 47">
             <a:extLst>
               <a:ext uri="{FF2B5EF4-FFF2-40B4-BE49-F238E27FC236}">
-                <a16:creationId xmlns:a16="http://schemas.microsoft.com/office/drawing/2014/main" xmlns="" id="{35CE0786-D87B-DD89-C418-C53C1B7E610B}"/>
+                <a16:creationId xmlns="" xmlns:a16="http://schemas.microsoft.com/office/drawing/2014/main" id="{35CE0786-D87B-DD89-C418-C53C1B7E610B}"/>
               </a:ext>
             </a:extLst>
           </p:cNvPr>
@@ -5384,7 +5384,7 @@
           <p:cNvPr id="28" name="Content placeholder 47">
             <a:extLst>
               <a:ext uri="{FF2B5EF4-FFF2-40B4-BE49-F238E27FC236}">
-                <a16:creationId xmlns:a16="http://schemas.microsoft.com/office/drawing/2014/main" xmlns="" id="{7C7F2E6C-1DCD-3C6A-4830-5BF230A3AAB2}"/>
+                <a16:creationId xmlns="" xmlns:a16="http://schemas.microsoft.com/office/drawing/2014/main" id="{7C7F2E6C-1DCD-3C6A-4830-5BF230A3AAB2}"/>
               </a:ext>
             </a:extLst>
           </p:cNvPr>
@@ -5443,7 +5443,7 @@
           <p:cNvPr id="29" name="Content placeholder 47">
             <a:extLst>
               <a:ext uri="{FF2B5EF4-FFF2-40B4-BE49-F238E27FC236}">
-                <a16:creationId xmlns:a16="http://schemas.microsoft.com/office/drawing/2014/main" xmlns="" id="{56A87F6E-D6C5-8903-BC20-313810046034}"/>
+                <a16:creationId xmlns="" xmlns:a16="http://schemas.microsoft.com/office/drawing/2014/main" id="{56A87F6E-D6C5-8903-BC20-313810046034}"/>
               </a:ext>
             </a:extLst>
           </p:cNvPr>
@@ -5502,7 +5502,7 @@
           <p:cNvPr id="11" name="Footer Placeholder 10">
             <a:extLst>
               <a:ext uri="{FF2B5EF4-FFF2-40B4-BE49-F238E27FC236}">
-                <a16:creationId xmlns:a16="http://schemas.microsoft.com/office/drawing/2014/main" xmlns="" id="{7218367E-FDD8-A1F8-8E0F-A365771B85F7}"/>
+                <a16:creationId xmlns="" xmlns:a16="http://schemas.microsoft.com/office/drawing/2014/main" id="{7218367E-FDD8-A1F8-8E0F-A365771B85F7}"/>
               </a:ext>
             </a:extLst>
           </p:cNvPr>
@@ -5533,7 +5533,7 @@
           <p:cNvPr id="12" name="Slide Number Placeholder 11">
             <a:extLst>
               <a:ext uri="{FF2B5EF4-FFF2-40B4-BE49-F238E27FC236}">
-                <a16:creationId xmlns:a16="http://schemas.microsoft.com/office/drawing/2014/main" xmlns="" id="{77ECE300-0AB8-85A0-D4D3-B948DDA7B00F}"/>
+                <a16:creationId xmlns="" xmlns:a16="http://schemas.microsoft.com/office/drawing/2014/main" id="{77ECE300-0AB8-85A0-D4D3-B948DDA7B00F}"/>
               </a:ext>
             </a:extLst>
           </p:cNvPr>
@@ -5595,7 +5595,7 @@
           <p:cNvPr id="66" name="Freeform: Shape 25">
             <a:extLst>
               <a:ext uri="{FF2B5EF4-FFF2-40B4-BE49-F238E27FC236}">
-                <a16:creationId xmlns:a16="http://schemas.microsoft.com/office/drawing/2014/main" xmlns="" id="{D61EE2E4-C5DD-4944-B70C-8F0A3F741A59}"/>
+                <a16:creationId xmlns="" xmlns:a16="http://schemas.microsoft.com/office/drawing/2014/main" id="{D61EE2E4-C5DD-4944-B70C-8F0A3F741A59}"/>
               </a:ext>
             </a:extLst>
           </p:cNvPr>
@@ -5748,7 +5748,7 @@
           <p:cNvPr id="67" name="Freeform: Shape 26">
             <a:extLst>
               <a:ext uri="{FF2B5EF4-FFF2-40B4-BE49-F238E27FC236}">
-                <a16:creationId xmlns:a16="http://schemas.microsoft.com/office/drawing/2014/main" xmlns="" id="{91FA36A8-94E8-4069-B957-F7145D77BD5F}"/>
+                <a16:creationId xmlns="" xmlns:a16="http://schemas.microsoft.com/office/drawing/2014/main" id="{91FA36A8-94E8-4069-B957-F7145D77BD5F}"/>
               </a:ext>
             </a:extLst>
           </p:cNvPr>
@@ -5901,7 +5901,7 @@
           <p:cNvPr id="68" name="Freeform: Shape 27">
             <a:extLst>
               <a:ext uri="{FF2B5EF4-FFF2-40B4-BE49-F238E27FC236}">
-                <a16:creationId xmlns:a16="http://schemas.microsoft.com/office/drawing/2014/main" xmlns="" id="{7D38D67C-B6B8-4EB2-BC07-4A8128F44D16}"/>
+                <a16:creationId xmlns="" xmlns:a16="http://schemas.microsoft.com/office/drawing/2014/main" id="{7D38D67C-B6B8-4EB2-BC07-4A8128F44D16}"/>
               </a:ext>
             </a:extLst>
           </p:cNvPr>
@@ -6054,7 +6054,7 @@
           <p:cNvPr id="69" name="Freeform: Shape 28">
             <a:extLst>
               <a:ext uri="{FF2B5EF4-FFF2-40B4-BE49-F238E27FC236}">
-                <a16:creationId xmlns:a16="http://schemas.microsoft.com/office/drawing/2014/main" xmlns="" id="{6B2E4C8C-D96E-4A66-A3D2-3580DACCF801}"/>
+                <a16:creationId xmlns="" xmlns:a16="http://schemas.microsoft.com/office/drawing/2014/main" id="{6B2E4C8C-D96E-4A66-A3D2-3580DACCF801}"/>
               </a:ext>
             </a:extLst>
           </p:cNvPr>
@@ -6207,7 +6207,7 @@
           <p:cNvPr id="70" name="Freeform: Shape 29">
             <a:extLst>
               <a:ext uri="{FF2B5EF4-FFF2-40B4-BE49-F238E27FC236}">
-                <a16:creationId xmlns:a16="http://schemas.microsoft.com/office/drawing/2014/main" xmlns="" id="{74E0B8B0-45C7-4733-BBDC-B82F9307E431}"/>
+                <a16:creationId xmlns="" xmlns:a16="http://schemas.microsoft.com/office/drawing/2014/main" id="{74E0B8B0-45C7-4733-BBDC-B82F9307E431}"/>
               </a:ext>
             </a:extLst>
           </p:cNvPr>
@@ -6360,7 +6360,7 @@
           <p:cNvPr id="71" name="Freeform: Shape 30">
             <a:extLst>
               <a:ext uri="{FF2B5EF4-FFF2-40B4-BE49-F238E27FC236}">
-                <a16:creationId xmlns:a16="http://schemas.microsoft.com/office/drawing/2014/main" xmlns="" id="{F0BBECC2-631C-4C53-A9E8-6C87D48A3B01}"/>
+                <a16:creationId xmlns="" xmlns:a16="http://schemas.microsoft.com/office/drawing/2014/main" id="{F0BBECC2-631C-4C53-A9E8-6C87D48A3B01}"/>
               </a:ext>
             </a:extLst>
           </p:cNvPr>
@@ -7295,7 +7295,7 @@
           <p:cNvPr id="72" name="Freeform: Shape 31">
             <a:extLst>
               <a:ext uri="{FF2B5EF4-FFF2-40B4-BE49-F238E27FC236}">
-                <a16:creationId xmlns:a16="http://schemas.microsoft.com/office/drawing/2014/main" xmlns="" id="{274DD645-8640-45D5-9B60-F31EC01D3CC0}"/>
+                <a16:creationId xmlns="" xmlns:a16="http://schemas.microsoft.com/office/drawing/2014/main" id="{274DD645-8640-45D5-9B60-F31EC01D3CC0}"/>
               </a:ext>
             </a:extLst>
           </p:cNvPr>
@@ -7410,7 +7410,7 @@
           <p:cNvPr id="73" name="Freeform: Shape 34">
             <a:extLst>
               <a:ext uri="{FF2B5EF4-FFF2-40B4-BE49-F238E27FC236}">
-                <a16:creationId xmlns:a16="http://schemas.microsoft.com/office/drawing/2014/main" xmlns="" id="{71C09F09-7119-47FD-8E60-E4A92C9A3119}"/>
+                <a16:creationId xmlns="" xmlns:a16="http://schemas.microsoft.com/office/drawing/2014/main" id="{71C09F09-7119-47FD-8E60-E4A92C9A3119}"/>
               </a:ext>
             </a:extLst>
           </p:cNvPr>
@@ -7566,7 +7566,7 @@
           <p:cNvPr id="74" name="Freeform: Shape 45">
             <a:extLst>
               <a:ext uri="{FF2B5EF4-FFF2-40B4-BE49-F238E27FC236}">
-                <a16:creationId xmlns:a16="http://schemas.microsoft.com/office/drawing/2014/main" xmlns="" id="{E99BCE04-19B9-4541-925F-AC59CF760E7F}"/>
+                <a16:creationId xmlns="" xmlns:a16="http://schemas.microsoft.com/office/drawing/2014/main" id="{E99BCE04-19B9-4541-925F-AC59CF760E7F}"/>
               </a:ext>
             </a:extLst>
           </p:cNvPr>
@@ -7722,7 +7722,7 @@
           <p:cNvPr id="75" name="Freeform: Shape 46">
             <a:extLst>
               <a:ext uri="{FF2B5EF4-FFF2-40B4-BE49-F238E27FC236}">
-                <a16:creationId xmlns:a16="http://schemas.microsoft.com/office/drawing/2014/main" xmlns="" id="{F2B610BB-26F6-44A5-B7DB-CEEDCAE916ED}"/>
+                <a16:creationId xmlns="" xmlns:a16="http://schemas.microsoft.com/office/drawing/2014/main" id="{F2B610BB-26F6-44A5-B7DB-CEEDCAE916ED}"/>
               </a:ext>
             </a:extLst>
           </p:cNvPr>
@@ -7878,7 +7878,7 @@
           <p:cNvPr id="76" name="Freeform: Shape 47">
             <a:extLst>
               <a:ext uri="{FF2B5EF4-FFF2-40B4-BE49-F238E27FC236}">
-                <a16:creationId xmlns:a16="http://schemas.microsoft.com/office/drawing/2014/main" xmlns="" id="{C979636C-DE09-47B7-8972-BAE28DFA91DF}"/>
+                <a16:creationId xmlns="" xmlns:a16="http://schemas.microsoft.com/office/drawing/2014/main" id="{C979636C-DE09-47B7-8972-BAE28DFA91DF}"/>
               </a:ext>
             </a:extLst>
           </p:cNvPr>
@@ -8034,7 +8034,7 @@
           <p:cNvPr id="77" name="Freeform: Shape 48">
             <a:extLst>
               <a:ext uri="{FF2B5EF4-FFF2-40B4-BE49-F238E27FC236}">
-                <a16:creationId xmlns:a16="http://schemas.microsoft.com/office/drawing/2014/main" xmlns="" id="{01B12467-C508-4D89-94B3-6D23C6199703}"/>
+                <a16:creationId xmlns="" xmlns:a16="http://schemas.microsoft.com/office/drawing/2014/main" id="{01B12467-C508-4D89-94B3-6D23C6199703}"/>
               </a:ext>
             </a:extLst>
           </p:cNvPr>
@@ -8190,7 +8190,7 @@
           <p:cNvPr id="78" name="Freeform: Shape 49">
             <a:extLst>
               <a:ext uri="{FF2B5EF4-FFF2-40B4-BE49-F238E27FC236}">
-                <a16:creationId xmlns:a16="http://schemas.microsoft.com/office/drawing/2014/main" xmlns="" id="{9EA72422-90A8-454F-8133-112CD2B85BEA}"/>
+                <a16:creationId xmlns="" xmlns:a16="http://schemas.microsoft.com/office/drawing/2014/main" id="{9EA72422-90A8-454F-8133-112CD2B85BEA}"/>
               </a:ext>
             </a:extLst>
           </p:cNvPr>
@@ -8346,7 +8346,7 @@
           <p:cNvPr id="79" name="Freeform: Shape 50">
             <a:extLst>
               <a:ext uri="{FF2B5EF4-FFF2-40B4-BE49-F238E27FC236}">
-                <a16:creationId xmlns:a16="http://schemas.microsoft.com/office/drawing/2014/main" xmlns="" id="{3C67727D-D0D9-4CA6-99EE-0B89D465A706}"/>
+                <a16:creationId xmlns="" xmlns:a16="http://schemas.microsoft.com/office/drawing/2014/main" id="{3C67727D-D0D9-4CA6-99EE-0B89D465A706}"/>
               </a:ext>
             </a:extLst>
           </p:cNvPr>
@@ -8502,7 +8502,7 @@
           <p:cNvPr id="80" name="Freeform: Shape 51">
             <a:extLst>
               <a:ext uri="{FF2B5EF4-FFF2-40B4-BE49-F238E27FC236}">
-                <a16:creationId xmlns:a16="http://schemas.microsoft.com/office/drawing/2014/main" xmlns="" id="{C88A67D0-B01F-4CC8-B248-2CF85911F456}"/>
+                <a16:creationId xmlns="" xmlns:a16="http://schemas.microsoft.com/office/drawing/2014/main" id="{C88A67D0-B01F-4CC8-B248-2CF85911F456}"/>
               </a:ext>
             </a:extLst>
           </p:cNvPr>
@@ -8658,7 +8658,7 @@
           <p:cNvPr id="81" name="Freeform: Shape 52">
             <a:extLst>
               <a:ext uri="{FF2B5EF4-FFF2-40B4-BE49-F238E27FC236}">
-                <a16:creationId xmlns:a16="http://schemas.microsoft.com/office/drawing/2014/main" xmlns="" id="{DBF6CA39-E979-4287-833E-20A9B455F7D6}"/>
+                <a16:creationId xmlns="" xmlns:a16="http://schemas.microsoft.com/office/drawing/2014/main" id="{DBF6CA39-E979-4287-833E-20A9B455F7D6}"/>
               </a:ext>
             </a:extLst>
           </p:cNvPr>
@@ -8814,7 +8814,7 @@
           <p:cNvPr id="82" name="Freeform: Shape 53">
             <a:extLst>
               <a:ext uri="{FF2B5EF4-FFF2-40B4-BE49-F238E27FC236}">
-                <a16:creationId xmlns:a16="http://schemas.microsoft.com/office/drawing/2014/main" xmlns="" id="{9EAA4E60-7510-4920-A426-5630491CFAC2}"/>
+                <a16:creationId xmlns="" xmlns:a16="http://schemas.microsoft.com/office/drawing/2014/main" id="{9EAA4E60-7510-4920-A426-5630491CFAC2}"/>
               </a:ext>
             </a:extLst>
           </p:cNvPr>
@@ -8970,7 +8970,7 @@
           <p:cNvPr id="83" name="Freeform: Shape 54">
             <a:extLst>
               <a:ext uri="{FF2B5EF4-FFF2-40B4-BE49-F238E27FC236}">
-                <a16:creationId xmlns:a16="http://schemas.microsoft.com/office/drawing/2014/main" xmlns="" id="{322F7ECD-1942-42EE-B5E0-FC1E0206BFFD}"/>
+                <a16:creationId xmlns="" xmlns:a16="http://schemas.microsoft.com/office/drawing/2014/main" id="{322F7ECD-1942-42EE-B5E0-FC1E0206BFFD}"/>
               </a:ext>
             </a:extLst>
           </p:cNvPr>
@@ -9126,7 +9126,7 @@
           <p:cNvPr id="84" name="Freeform: Shape 55">
             <a:extLst>
               <a:ext uri="{FF2B5EF4-FFF2-40B4-BE49-F238E27FC236}">
-                <a16:creationId xmlns:a16="http://schemas.microsoft.com/office/drawing/2014/main" xmlns="" id="{2465D6BD-72DA-4C13-97C2-7CF8D7F2F0C4}"/>
+                <a16:creationId xmlns="" xmlns:a16="http://schemas.microsoft.com/office/drawing/2014/main" id="{2465D6BD-72DA-4C13-97C2-7CF8D7F2F0C4}"/>
               </a:ext>
             </a:extLst>
           </p:cNvPr>
@@ -9282,7 +9282,7 @@
           <p:cNvPr id="85" name="Content placeholder 47" descr="Click icon to add picture">
             <a:extLst>
               <a:ext uri="{FF2B5EF4-FFF2-40B4-BE49-F238E27FC236}">
-                <a16:creationId xmlns:a16="http://schemas.microsoft.com/office/drawing/2014/main" xmlns="" id="{E7C6BEEA-1766-44A1-A28D-2E817DBF2267}"/>
+                <a16:creationId xmlns="" xmlns:a16="http://schemas.microsoft.com/office/drawing/2014/main" id="{E7C6BEEA-1766-44A1-A28D-2E817DBF2267}"/>
               </a:ext>
             </a:extLst>
           </p:cNvPr>
@@ -9345,7 +9345,7 @@
           <p:cNvPr id="86" name="Content placeholder 47">
             <a:extLst>
               <a:ext uri="{FF2B5EF4-FFF2-40B4-BE49-F238E27FC236}">
-                <a16:creationId xmlns:a16="http://schemas.microsoft.com/office/drawing/2014/main" xmlns="" id="{597D4D7A-8D7E-492C-8795-D491CF53B5FA}"/>
+                <a16:creationId xmlns="" xmlns:a16="http://schemas.microsoft.com/office/drawing/2014/main" id="{597D4D7A-8D7E-492C-8795-D491CF53B5FA}"/>
               </a:ext>
             </a:extLst>
           </p:cNvPr>
@@ -9423,7 +9423,7 @@
           <p:cNvPr id="87" name="Content placeholder 47" descr="Click icon to add picture">
             <a:extLst>
               <a:ext uri="{FF2B5EF4-FFF2-40B4-BE49-F238E27FC236}">
-                <a16:creationId xmlns:a16="http://schemas.microsoft.com/office/drawing/2014/main" xmlns="" id="{A7396594-2DE7-4DB9-B6B4-92F63F06EFCF}"/>
+                <a16:creationId xmlns="" xmlns:a16="http://schemas.microsoft.com/office/drawing/2014/main" id="{A7396594-2DE7-4DB9-B6B4-92F63F06EFCF}"/>
               </a:ext>
             </a:extLst>
           </p:cNvPr>
@@ -9486,7 +9486,7 @@
           <p:cNvPr id="88" name="Content placeholder 47">
             <a:extLst>
               <a:ext uri="{FF2B5EF4-FFF2-40B4-BE49-F238E27FC236}">
-                <a16:creationId xmlns:a16="http://schemas.microsoft.com/office/drawing/2014/main" xmlns="" id="{CC680CF7-ED60-4FFF-B04E-B24ECDDD3512}"/>
+                <a16:creationId xmlns="" xmlns:a16="http://schemas.microsoft.com/office/drawing/2014/main" id="{CC680CF7-ED60-4FFF-B04E-B24ECDDD3512}"/>
               </a:ext>
             </a:extLst>
           </p:cNvPr>
@@ -9561,7 +9561,7 @@
           <p:cNvPr id="89" name="Content placeholder 47" descr="Click icon to add picture">
             <a:extLst>
               <a:ext uri="{FF2B5EF4-FFF2-40B4-BE49-F238E27FC236}">
-                <a16:creationId xmlns:a16="http://schemas.microsoft.com/office/drawing/2014/main" xmlns="" id="{042E6E66-3835-45DF-80D9-C4AFDF3401FF}"/>
+                <a16:creationId xmlns="" xmlns:a16="http://schemas.microsoft.com/office/drawing/2014/main" id="{042E6E66-3835-45DF-80D9-C4AFDF3401FF}"/>
               </a:ext>
             </a:extLst>
           </p:cNvPr>
@@ -9624,7 +9624,7 @@
           <p:cNvPr id="90" name="Content placeholder 47">
             <a:extLst>
               <a:ext uri="{FF2B5EF4-FFF2-40B4-BE49-F238E27FC236}">
-                <a16:creationId xmlns:a16="http://schemas.microsoft.com/office/drawing/2014/main" xmlns="" id="{A6E85C70-1784-4A0C-8897-EDE98D39BC01}"/>
+                <a16:creationId xmlns="" xmlns:a16="http://schemas.microsoft.com/office/drawing/2014/main" id="{A6E85C70-1784-4A0C-8897-EDE98D39BC01}"/>
               </a:ext>
             </a:extLst>
           </p:cNvPr>
@@ -9702,7 +9702,7 @@
           <p:cNvPr id="91" name="Content placeholder 47" descr="Click icon to add picture">
             <a:extLst>
               <a:ext uri="{FF2B5EF4-FFF2-40B4-BE49-F238E27FC236}">
-                <a16:creationId xmlns:a16="http://schemas.microsoft.com/office/drawing/2014/main" xmlns="" id="{4CD55BC2-05D0-49CB-B0A5-C96ACB411B57}"/>
+                <a16:creationId xmlns="" xmlns:a16="http://schemas.microsoft.com/office/drawing/2014/main" id="{4CD55BC2-05D0-49CB-B0A5-C96ACB411B57}"/>
               </a:ext>
             </a:extLst>
           </p:cNvPr>
@@ -9765,7 +9765,7 @@
           <p:cNvPr id="92" name="Content placeholder 47">
             <a:extLst>
               <a:ext uri="{FF2B5EF4-FFF2-40B4-BE49-F238E27FC236}">
-                <a16:creationId xmlns:a16="http://schemas.microsoft.com/office/drawing/2014/main" xmlns="" id="{49DB7120-2F2C-4F89-AA8C-ABC4F3FF25F3}"/>
+                <a16:creationId xmlns="" xmlns:a16="http://schemas.microsoft.com/office/drawing/2014/main" id="{49DB7120-2F2C-4F89-AA8C-ABC4F3FF25F3}"/>
               </a:ext>
             </a:extLst>
           </p:cNvPr>
@@ -9843,7 +9843,7 @@
           <p:cNvPr id="93" name="Content placeholder 47" descr="Click icon to add picture">
             <a:extLst>
               <a:ext uri="{FF2B5EF4-FFF2-40B4-BE49-F238E27FC236}">
-                <a16:creationId xmlns:a16="http://schemas.microsoft.com/office/drawing/2014/main" xmlns="" id="{AEB1F7BA-7D83-4C23-A72B-82DF9377E9C3}"/>
+                <a16:creationId xmlns="" xmlns:a16="http://schemas.microsoft.com/office/drawing/2014/main" id="{AEB1F7BA-7D83-4C23-A72B-82DF9377E9C3}"/>
               </a:ext>
             </a:extLst>
           </p:cNvPr>
@@ -9906,7 +9906,7 @@
           <p:cNvPr id="94" name="Content placeholder 47">
             <a:extLst>
               <a:ext uri="{FF2B5EF4-FFF2-40B4-BE49-F238E27FC236}">
-                <a16:creationId xmlns:a16="http://schemas.microsoft.com/office/drawing/2014/main" xmlns="" id="{7C32F3EB-1AC3-40E9-B66D-ADB19CC74F0F}"/>
+                <a16:creationId xmlns="" xmlns:a16="http://schemas.microsoft.com/office/drawing/2014/main" id="{7C32F3EB-1AC3-40E9-B66D-ADB19CC74F0F}"/>
               </a:ext>
             </a:extLst>
           </p:cNvPr>
@@ -9984,7 +9984,7 @@
           <p:cNvPr id="2" name="Title 1">
             <a:extLst>
               <a:ext uri="{FF2B5EF4-FFF2-40B4-BE49-F238E27FC236}">
-                <a16:creationId xmlns:a16="http://schemas.microsoft.com/office/drawing/2014/main" xmlns="" id="{667E7569-B8BF-39D0-D742-EF98B83E4E1D}"/>
+                <a16:creationId xmlns="" xmlns:a16="http://schemas.microsoft.com/office/drawing/2014/main" id="{667E7569-B8BF-39D0-D742-EF98B83E4E1D}"/>
               </a:ext>
             </a:extLst>
           </p:cNvPr>
@@ -10028,7 +10028,7 @@
           <p:cNvPr id="3" name="Footer Placeholder 2">
             <a:extLst>
               <a:ext uri="{FF2B5EF4-FFF2-40B4-BE49-F238E27FC236}">
-                <a16:creationId xmlns:a16="http://schemas.microsoft.com/office/drawing/2014/main" xmlns="" id="{9FC159C7-D006-5B5F-1FEA-689C432B8C8C}"/>
+                <a16:creationId xmlns="" xmlns:a16="http://schemas.microsoft.com/office/drawing/2014/main" id="{9FC159C7-D006-5B5F-1FEA-689C432B8C8C}"/>
               </a:ext>
             </a:extLst>
           </p:cNvPr>
@@ -10067,7 +10067,7 @@
           <p:cNvPr id="4" name="Slide Number Placeholder 3">
             <a:extLst>
               <a:ext uri="{FF2B5EF4-FFF2-40B4-BE49-F238E27FC236}">
-                <a16:creationId xmlns:a16="http://schemas.microsoft.com/office/drawing/2014/main" xmlns="" id="{4F0EBABD-E264-2C96-1139-289A712F35B7}"/>
+                <a16:creationId xmlns="" xmlns:a16="http://schemas.microsoft.com/office/drawing/2014/main" id="{4F0EBABD-E264-2C96-1139-289A712F35B7}"/>
               </a:ext>
             </a:extLst>
           </p:cNvPr>
@@ -10137,7 +10137,7 @@
           <p:cNvPr id="7" name="Freeform: Shape 19">
             <a:extLst>
               <a:ext uri="{FF2B5EF4-FFF2-40B4-BE49-F238E27FC236}">
-                <a16:creationId xmlns:a16="http://schemas.microsoft.com/office/drawing/2014/main" xmlns="" id="{F38B75F8-75D4-4B41-B7C7-433032DD0A6F}"/>
+                <a16:creationId xmlns="" xmlns:a16="http://schemas.microsoft.com/office/drawing/2014/main" id="{F38B75F8-75D4-4B41-B7C7-433032DD0A6F}"/>
               </a:ext>
             </a:extLst>
           </p:cNvPr>
@@ -10281,7 +10281,7 @@
           <p:cNvPr id="8" name="Freeform: Shape 24">
             <a:extLst>
               <a:ext uri="{FF2B5EF4-FFF2-40B4-BE49-F238E27FC236}">
-                <a16:creationId xmlns:a16="http://schemas.microsoft.com/office/drawing/2014/main" xmlns="" id="{671D1224-EDDC-4900-92DC-13608D44C524}"/>
+                <a16:creationId xmlns="" xmlns:a16="http://schemas.microsoft.com/office/drawing/2014/main" id="{671D1224-EDDC-4900-92DC-13608D44C524}"/>
               </a:ext>
             </a:extLst>
           </p:cNvPr>
@@ -10425,7 +10425,7 @@
           <p:cNvPr id="15" name="Freeform 14">
             <a:extLst>
               <a:ext uri="{FF2B5EF4-FFF2-40B4-BE49-F238E27FC236}">
-                <a16:creationId xmlns:a16="http://schemas.microsoft.com/office/drawing/2014/main" xmlns="" id="{635A9E44-4E60-1AD1-0B85-72422683B48A}"/>
+                <a16:creationId xmlns="" xmlns:a16="http://schemas.microsoft.com/office/drawing/2014/main" id="{635A9E44-4E60-1AD1-0B85-72422683B48A}"/>
               </a:ext>
             </a:extLst>
           </p:cNvPr>
@@ -10542,7 +10542,7 @@
           <p:cNvPr id="21" name="Subtitle 47" descr="Click icon to add picture">
             <a:extLst>
               <a:ext uri="{FF2B5EF4-FFF2-40B4-BE49-F238E27FC236}">
-                <a16:creationId xmlns:a16="http://schemas.microsoft.com/office/drawing/2014/main" xmlns="" id="{0C7786BA-5E56-47AA-AE47-4EC07A0D4FA1}"/>
+                <a16:creationId xmlns="" xmlns:a16="http://schemas.microsoft.com/office/drawing/2014/main" id="{0C7786BA-5E56-47AA-AE47-4EC07A0D4FA1}"/>
               </a:ext>
             </a:extLst>
           </p:cNvPr>
@@ -10605,7 +10605,7 @@
           <p:cNvPr id="23" name="Content placeholder 47">
             <a:extLst>
               <a:ext uri="{FF2B5EF4-FFF2-40B4-BE49-F238E27FC236}">
-                <a16:creationId xmlns:a16="http://schemas.microsoft.com/office/drawing/2014/main" xmlns="" id="{880214CF-87DD-476A-9B2E-A58DB313A61A}"/>
+                <a16:creationId xmlns="" xmlns:a16="http://schemas.microsoft.com/office/drawing/2014/main" id="{880214CF-87DD-476A-9B2E-A58DB313A61A}"/>
               </a:ext>
             </a:extLst>
           </p:cNvPr>
@@ -10672,7 +10672,7 @@
           <p:cNvPr id="37" name="Picture placeholder">
             <a:extLst>
               <a:ext uri="{FF2B5EF4-FFF2-40B4-BE49-F238E27FC236}">
-                <a16:creationId xmlns:a16="http://schemas.microsoft.com/office/drawing/2014/main" xmlns="" id="{264CF63C-079E-41AA-AA9A-762A765E699F}"/>
+                <a16:creationId xmlns="" xmlns:a16="http://schemas.microsoft.com/office/drawing/2014/main" id="{264CF63C-079E-41AA-AA9A-762A765E699F}"/>
               </a:ext>
             </a:extLst>
           </p:cNvPr>
@@ -10906,7 +10906,7 @@
           <p:cNvPr id="17" name="Title 1">
             <a:extLst>
               <a:ext uri="{FF2B5EF4-FFF2-40B4-BE49-F238E27FC236}">
-                <a16:creationId xmlns:a16="http://schemas.microsoft.com/office/drawing/2014/main" xmlns="" id="{D041C638-CBB8-1159-9AF8-B5D14CC7BE0F}"/>
+                <a16:creationId xmlns="" xmlns:a16="http://schemas.microsoft.com/office/drawing/2014/main" id="{D041C638-CBB8-1159-9AF8-B5D14CC7BE0F}"/>
               </a:ext>
             </a:extLst>
           </p:cNvPr>
@@ -10950,7 +10950,7 @@
           <p:cNvPr id="18" name="Subtitle 47" descr="Click icon to add picture">
             <a:extLst>
               <a:ext uri="{FF2B5EF4-FFF2-40B4-BE49-F238E27FC236}">
-                <a16:creationId xmlns:a16="http://schemas.microsoft.com/office/drawing/2014/main" xmlns="" id="{3C2C4001-E56F-4174-01AA-4630360BFF48}"/>
+                <a16:creationId xmlns="" xmlns:a16="http://schemas.microsoft.com/office/drawing/2014/main" id="{3C2C4001-E56F-4174-01AA-4630360BFF48}"/>
               </a:ext>
             </a:extLst>
           </p:cNvPr>
@@ -11013,7 +11013,7 @@
           <p:cNvPr id="20" name="Content placeholder 47">
             <a:extLst>
               <a:ext uri="{FF2B5EF4-FFF2-40B4-BE49-F238E27FC236}">
-                <a16:creationId xmlns:a16="http://schemas.microsoft.com/office/drawing/2014/main" xmlns="" id="{02DFC856-C546-62E9-220F-7A668D349056}"/>
+                <a16:creationId xmlns="" xmlns:a16="http://schemas.microsoft.com/office/drawing/2014/main" id="{02DFC856-C546-62E9-220F-7A668D349056}"/>
               </a:ext>
             </a:extLst>
           </p:cNvPr>
@@ -11080,7 +11080,7 @@
           <p:cNvPr id="6" name="Slide Number Placeholder 5">
             <a:extLst>
               <a:ext uri="{FF2B5EF4-FFF2-40B4-BE49-F238E27FC236}">
-                <a16:creationId xmlns:a16="http://schemas.microsoft.com/office/drawing/2014/main" xmlns="" id="{F507335A-F59E-2A6C-D2D6-F10391DA8D69}"/>
+                <a16:creationId xmlns="" xmlns:a16="http://schemas.microsoft.com/office/drawing/2014/main" id="{F507335A-F59E-2A6C-D2D6-F10391DA8D69}"/>
               </a:ext>
             </a:extLst>
           </p:cNvPr>
@@ -11150,7 +11150,7 @@
           <p:cNvPr id="15" name="Freeform 14">
             <a:extLst>
               <a:ext uri="{FF2B5EF4-FFF2-40B4-BE49-F238E27FC236}">
-                <a16:creationId xmlns:a16="http://schemas.microsoft.com/office/drawing/2014/main" xmlns="" id="{F946AB17-3782-8412-C51A-DE10A0637453}"/>
+                <a16:creationId xmlns="" xmlns:a16="http://schemas.microsoft.com/office/drawing/2014/main" id="{F946AB17-3782-8412-C51A-DE10A0637453}"/>
               </a:ext>
             </a:extLst>
           </p:cNvPr>
@@ -11270,7 +11270,7 @@
           <p:cNvPr id="16" name="Freeform 15">
             <a:extLst>
               <a:ext uri="{FF2B5EF4-FFF2-40B4-BE49-F238E27FC236}">
-                <a16:creationId xmlns:a16="http://schemas.microsoft.com/office/drawing/2014/main" xmlns="" id="{2BA5A58B-9440-7DAB-E7D7-3143B049FBAC}"/>
+                <a16:creationId xmlns="" xmlns:a16="http://schemas.microsoft.com/office/drawing/2014/main" id="{2BA5A58B-9440-7DAB-E7D7-3143B049FBAC}"/>
               </a:ext>
             </a:extLst>
           </p:cNvPr>
@@ -11397,7 +11397,7 @@
           <p:cNvPr id="22" name="Content Placeholder 47" descr="Click icon to add picture">
             <a:extLst>
               <a:ext uri="{FF2B5EF4-FFF2-40B4-BE49-F238E27FC236}">
-                <a16:creationId xmlns:a16="http://schemas.microsoft.com/office/drawing/2014/main" xmlns="" id="{95ADF367-2619-4E00-AB82-8FFF41D0E5C2}"/>
+                <a16:creationId xmlns="" xmlns:a16="http://schemas.microsoft.com/office/drawing/2014/main" id="{95ADF367-2619-4E00-AB82-8FFF41D0E5C2}"/>
               </a:ext>
             </a:extLst>
           </p:cNvPr>
@@ -11462,7 +11462,7 @@
           <p:cNvPr id="23" name="Content Placeholder 47">
             <a:extLst>
               <a:ext uri="{FF2B5EF4-FFF2-40B4-BE49-F238E27FC236}">
-                <a16:creationId xmlns:a16="http://schemas.microsoft.com/office/drawing/2014/main" xmlns="" id="{8CEB04CE-793E-47B4-8D80-9B82864F2CDF}"/>
+                <a16:creationId xmlns="" xmlns:a16="http://schemas.microsoft.com/office/drawing/2014/main" id="{8CEB04CE-793E-47B4-8D80-9B82864F2CDF}"/>
               </a:ext>
             </a:extLst>
           </p:cNvPr>
@@ -11533,7 +11533,7 @@
           <p:cNvPr id="24" name="Content Placeholder 47" descr="Click icon to add picture">
             <a:extLst>
               <a:ext uri="{FF2B5EF4-FFF2-40B4-BE49-F238E27FC236}">
-                <a16:creationId xmlns:a16="http://schemas.microsoft.com/office/drawing/2014/main" xmlns="" id="{067BF8FD-2643-4122-BE3E-63F413244ECB}"/>
+                <a16:creationId xmlns="" xmlns:a16="http://schemas.microsoft.com/office/drawing/2014/main" id="{067BF8FD-2643-4122-BE3E-63F413244ECB}"/>
               </a:ext>
             </a:extLst>
           </p:cNvPr>
@@ -11598,7 +11598,7 @@
           <p:cNvPr id="26" name="Content Placeholder 47" descr="Click icon to add picture">
             <a:extLst>
               <a:ext uri="{FF2B5EF4-FFF2-40B4-BE49-F238E27FC236}">
-                <a16:creationId xmlns:a16="http://schemas.microsoft.com/office/drawing/2014/main" xmlns="" id="{02260D10-FEA1-48A7-B544-FAEEAECF5DE2}"/>
+                <a16:creationId xmlns="" xmlns:a16="http://schemas.microsoft.com/office/drawing/2014/main" id="{02260D10-FEA1-48A7-B544-FAEEAECF5DE2}"/>
               </a:ext>
             </a:extLst>
           </p:cNvPr>
@@ -11663,7 +11663,7 @@
           <p:cNvPr id="20" name="Content Placeholder 47">
             <a:extLst>
               <a:ext uri="{FF2B5EF4-FFF2-40B4-BE49-F238E27FC236}">
-                <a16:creationId xmlns:a16="http://schemas.microsoft.com/office/drawing/2014/main" xmlns="" id="{64584B30-8BCF-4D75-8A6C-FD82347CC7B6}"/>
+                <a16:creationId xmlns="" xmlns:a16="http://schemas.microsoft.com/office/drawing/2014/main" id="{64584B30-8BCF-4D75-8A6C-FD82347CC7B6}"/>
               </a:ext>
             </a:extLst>
           </p:cNvPr>
@@ -11734,7 +11734,7 @@
           <p:cNvPr id="28" name="Content Placeholder 47">
             <a:extLst>
               <a:ext uri="{FF2B5EF4-FFF2-40B4-BE49-F238E27FC236}">
-                <a16:creationId xmlns:a16="http://schemas.microsoft.com/office/drawing/2014/main" xmlns="" id="{A4A25056-27FA-4039-ACFA-6624F778712A}"/>
+                <a16:creationId xmlns="" xmlns:a16="http://schemas.microsoft.com/office/drawing/2014/main" id="{A4A25056-27FA-4039-ACFA-6624F778712A}"/>
               </a:ext>
             </a:extLst>
           </p:cNvPr>
@@ -11805,7 +11805,7 @@
           <p:cNvPr id="27" name="Freeform: Shape 24">
             <a:extLst>
               <a:ext uri="{FF2B5EF4-FFF2-40B4-BE49-F238E27FC236}">
-                <a16:creationId xmlns:a16="http://schemas.microsoft.com/office/drawing/2014/main" xmlns="" id="{A23F9759-CF52-CE45-5E22-9678534685A7}"/>
+                <a16:creationId xmlns="" xmlns:a16="http://schemas.microsoft.com/office/drawing/2014/main" id="{A23F9759-CF52-CE45-5E22-9678534685A7}"/>
               </a:ext>
             </a:extLst>
           </p:cNvPr>
@@ -11949,7 +11949,7 @@
           <p:cNvPr id="6" name="Title 5">
             <a:extLst>
               <a:ext uri="{FF2B5EF4-FFF2-40B4-BE49-F238E27FC236}">
-                <a16:creationId xmlns:a16="http://schemas.microsoft.com/office/drawing/2014/main" xmlns="" id="{5D84FCC1-368D-680C-31AA-597C3AAF4232}"/>
+                <a16:creationId xmlns="" xmlns:a16="http://schemas.microsoft.com/office/drawing/2014/main" id="{5D84FCC1-368D-680C-31AA-597C3AAF4232}"/>
               </a:ext>
             </a:extLst>
           </p:cNvPr>
@@ -11993,7 +11993,7 @@
           <p:cNvPr id="18" name="Picture Placeholder 2">
             <a:extLst>
               <a:ext uri="{FF2B5EF4-FFF2-40B4-BE49-F238E27FC236}">
-                <a16:creationId xmlns:a16="http://schemas.microsoft.com/office/drawing/2014/main" xmlns="" id="{E53E8C9F-CD73-30CD-1F24-20F2E6149D58}"/>
+                <a16:creationId xmlns="" xmlns:a16="http://schemas.microsoft.com/office/drawing/2014/main" id="{E53E8C9F-CD73-30CD-1F24-20F2E6149D58}"/>
               </a:ext>
             </a:extLst>
           </p:cNvPr>
@@ -12069,7 +12069,7 @@
           <p:cNvPr id="19" name="Picture Placeholder 2">
             <a:extLst>
               <a:ext uri="{FF2B5EF4-FFF2-40B4-BE49-F238E27FC236}">
-                <a16:creationId xmlns:a16="http://schemas.microsoft.com/office/drawing/2014/main" xmlns="" id="{CE61E189-349E-0076-EA43-7BCB6E24CE86}"/>
+                <a16:creationId xmlns="" xmlns:a16="http://schemas.microsoft.com/office/drawing/2014/main" id="{CE61E189-349E-0076-EA43-7BCB6E24CE86}"/>
               </a:ext>
             </a:extLst>
           </p:cNvPr>
@@ -12145,7 +12145,7 @@
           <p:cNvPr id="21" name="Picture Placeholder 2">
             <a:extLst>
               <a:ext uri="{FF2B5EF4-FFF2-40B4-BE49-F238E27FC236}">
-                <a16:creationId xmlns:a16="http://schemas.microsoft.com/office/drawing/2014/main" xmlns="" id="{68B04572-5D47-C3DF-CDEA-15EC646EA8FE}"/>
+                <a16:creationId xmlns="" xmlns:a16="http://schemas.microsoft.com/office/drawing/2014/main" id="{68B04572-5D47-C3DF-CDEA-15EC646EA8FE}"/>
               </a:ext>
             </a:extLst>
           </p:cNvPr>
@@ -12221,7 +12221,7 @@
           <p:cNvPr id="5" name="Slide Number Placeholder 4">
             <a:extLst>
               <a:ext uri="{FF2B5EF4-FFF2-40B4-BE49-F238E27FC236}">
-                <a16:creationId xmlns:a16="http://schemas.microsoft.com/office/drawing/2014/main" xmlns="" id="{2446A453-65E1-B688-A3F9-EA0AA347DDEA}"/>
+                <a16:creationId xmlns="" xmlns:a16="http://schemas.microsoft.com/office/drawing/2014/main" id="{2446A453-65E1-B688-A3F9-EA0AA347DDEA}"/>
               </a:ext>
             </a:extLst>
           </p:cNvPr>
@@ -12291,7 +12291,7 @@
           <p:cNvPr id="8" name="Content Placeholder 47">
             <a:extLst>
               <a:ext uri="{FF2B5EF4-FFF2-40B4-BE49-F238E27FC236}">
-                <a16:creationId xmlns:a16="http://schemas.microsoft.com/office/drawing/2014/main" xmlns="" id="{3EDD8D3E-653B-4A9E-9868-3B013A65FE9F}"/>
+                <a16:creationId xmlns="" xmlns:a16="http://schemas.microsoft.com/office/drawing/2014/main" id="{3EDD8D3E-653B-4A9E-9868-3B013A65FE9F}"/>
               </a:ext>
             </a:extLst>
           </p:cNvPr>
@@ -12523,7 +12523,7 @@
           <p:cNvPr id="18" name="Content Placeholder 47">
             <a:extLst>
               <a:ext uri="{FF2B5EF4-FFF2-40B4-BE49-F238E27FC236}">
-                <a16:creationId xmlns:a16="http://schemas.microsoft.com/office/drawing/2014/main" xmlns="" id="{DD4E6A9F-7400-917B-6A6B-6BAB445E85FA}"/>
+                <a16:creationId xmlns="" xmlns:a16="http://schemas.microsoft.com/office/drawing/2014/main" id="{DD4E6A9F-7400-917B-6A6B-6BAB445E85FA}"/>
               </a:ext>
             </a:extLst>
           </p:cNvPr>
@@ -12587,7 +12587,7 @@
           <p:cNvPr id="19" name="Freeform: Shape 25">
             <a:extLst>
               <a:ext uri="{FF2B5EF4-FFF2-40B4-BE49-F238E27FC236}">
-                <a16:creationId xmlns:a16="http://schemas.microsoft.com/office/drawing/2014/main" xmlns="" id="{D7BBD3E8-D5DD-C21F-3792-4880373CCDCC}"/>
+                <a16:creationId xmlns="" xmlns:a16="http://schemas.microsoft.com/office/drawing/2014/main" id="{D7BBD3E8-D5DD-C21F-3792-4880373CCDCC}"/>
               </a:ext>
             </a:extLst>
           </p:cNvPr>
@@ -12731,7 +12731,7 @@
           <p:cNvPr id="20" name="Freeform: Shape 11">
             <a:extLst>
               <a:ext uri="{FF2B5EF4-FFF2-40B4-BE49-F238E27FC236}">
-                <a16:creationId xmlns:a16="http://schemas.microsoft.com/office/drawing/2014/main" xmlns="" id="{FC461D80-0CAC-62E5-726A-63B48BEF3F25}"/>
+                <a16:creationId xmlns="" xmlns:a16="http://schemas.microsoft.com/office/drawing/2014/main" id="{FC461D80-0CAC-62E5-726A-63B48BEF3F25}"/>
               </a:ext>
             </a:extLst>
           </p:cNvPr>
@@ -12873,7 +12873,7 @@
           <p:cNvPr id="3" name="Title 2">
             <a:extLst>
               <a:ext uri="{FF2B5EF4-FFF2-40B4-BE49-F238E27FC236}">
-                <a16:creationId xmlns:a16="http://schemas.microsoft.com/office/drawing/2014/main" xmlns="" id="{D4944167-AFE9-AE61-AF44-B9AEE24D17D8}"/>
+                <a16:creationId xmlns="" xmlns:a16="http://schemas.microsoft.com/office/drawing/2014/main" id="{D4944167-AFE9-AE61-AF44-B9AEE24D17D8}"/>
               </a:ext>
             </a:extLst>
           </p:cNvPr>
@@ -12917,7 +12917,7 @@
           <p:cNvPr id="2" name="Footer Placeholder 1">
             <a:extLst>
               <a:ext uri="{FF2B5EF4-FFF2-40B4-BE49-F238E27FC236}">
-                <a16:creationId xmlns:a16="http://schemas.microsoft.com/office/drawing/2014/main" xmlns="" id="{47268D53-92DA-7335-4DAB-83485CAF3FE9}"/>
+                <a16:creationId xmlns="" xmlns:a16="http://schemas.microsoft.com/office/drawing/2014/main" id="{47268D53-92DA-7335-4DAB-83485CAF3FE9}"/>
               </a:ext>
             </a:extLst>
           </p:cNvPr>
@@ -12956,7 +12956,7 @@
           <p:cNvPr id="6" name="Slide Number Placeholder 5">
             <a:extLst>
               <a:ext uri="{FF2B5EF4-FFF2-40B4-BE49-F238E27FC236}">
-                <a16:creationId xmlns:a16="http://schemas.microsoft.com/office/drawing/2014/main" xmlns="" id="{9F9FCB16-3643-AB04-D20E-A14FFE07F67C}"/>
+                <a16:creationId xmlns="" xmlns:a16="http://schemas.microsoft.com/office/drawing/2014/main" id="{9F9FCB16-3643-AB04-D20E-A14FFE07F67C}"/>
               </a:ext>
             </a:extLst>
           </p:cNvPr>
@@ -13026,7 +13026,7 @@
           <p:cNvPr id="47" name="Freeform 46">
             <a:extLst>
               <a:ext uri="{FF2B5EF4-FFF2-40B4-BE49-F238E27FC236}">
-                <a16:creationId xmlns:a16="http://schemas.microsoft.com/office/drawing/2014/main" xmlns="" id="{39B50CEE-D9F9-B5CD-C274-BEAA5EAB37E3}"/>
+                <a16:creationId xmlns="" xmlns:a16="http://schemas.microsoft.com/office/drawing/2014/main" id="{39B50CEE-D9F9-B5CD-C274-BEAA5EAB37E3}"/>
               </a:ext>
             </a:extLst>
           </p:cNvPr>
@@ -13146,7 +13146,7 @@
           <p:cNvPr id="9" name="Hexagon 15">
             <a:extLst>
               <a:ext uri="{FF2B5EF4-FFF2-40B4-BE49-F238E27FC236}">
-                <a16:creationId xmlns:a16="http://schemas.microsoft.com/office/drawing/2014/main" xmlns="" id="{93831F6E-A0DA-46E5-AF13-ED5D9ABF108D}"/>
+                <a16:creationId xmlns="" xmlns:a16="http://schemas.microsoft.com/office/drawing/2014/main" id="{93831F6E-A0DA-46E5-AF13-ED5D9ABF108D}"/>
               </a:ext>
             </a:extLst>
           </p:cNvPr>
@@ -13210,7 +13210,7 @@
           <p:cNvPr id="10" name="Hexagon 17">
             <a:extLst>
               <a:ext uri="{FF2B5EF4-FFF2-40B4-BE49-F238E27FC236}">
-                <a16:creationId xmlns:a16="http://schemas.microsoft.com/office/drawing/2014/main" xmlns="" id="{18B06ECC-5FA7-4ACA-86BF-694240D0C05B}"/>
+                <a16:creationId xmlns="" xmlns:a16="http://schemas.microsoft.com/office/drawing/2014/main" id="{18B06ECC-5FA7-4ACA-86BF-694240D0C05B}"/>
               </a:ext>
             </a:extLst>
           </p:cNvPr>
@@ -13271,7 +13271,7 @@
           <p:cNvPr id="11" name="Hexagon 19">
             <a:extLst>
               <a:ext uri="{FF2B5EF4-FFF2-40B4-BE49-F238E27FC236}">
-                <a16:creationId xmlns:a16="http://schemas.microsoft.com/office/drawing/2014/main" xmlns="" id="{089AA305-8FFC-46A5-B806-D5D78320D0CD}"/>
+                <a16:creationId xmlns="" xmlns:a16="http://schemas.microsoft.com/office/drawing/2014/main" id="{089AA305-8FFC-46A5-B806-D5D78320D0CD}"/>
               </a:ext>
             </a:extLst>
           </p:cNvPr>
@@ -13332,7 +13332,7 @@
           <p:cNvPr id="12" name="Hexagon 21">
             <a:extLst>
               <a:ext uri="{FF2B5EF4-FFF2-40B4-BE49-F238E27FC236}">
-                <a16:creationId xmlns:a16="http://schemas.microsoft.com/office/drawing/2014/main" xmlns="" id="{DB2D65ED-32BC-44B2-92F3-E16717051CA1}"/>
+                <a16:creationId xmlns="" xmlns:a16="http://schemas.microsoft.com/office/drawing/2014/main" id="{DB2D65ED-32BC-44B2-92F3-E16717051CA1}"/>
               </a:ext>
             </a:extLst>
           </p:cNvPr>
@@ -13396,7 +13396,7 @@
           <p:cNvPr id="44" name="Freeform 43">
             <a:extLst>
               <a:ext uri="{FF2B5EF4-FFF2-40B4-BE49-F238E27FC236}">
-                <a16:creationId xmlns:a16="http://schemas.microsoft.com/office/drawing/2014/main" xmlns="" id="{6100186E-95B0-AB29-6F1D-DBFBAA566DB2}"/>
+                <a16:creationId xmlns="" xmlns:a16="http://schemas.microsoft.com/office/drawing/2014/main" id="{6100186E-95B0-AB29-6F1D-DBFBAA566DB2}"/>
               </a:ext>
             </a:extLst>
           </p:cNvPr>
@@ -13516,7 +13516,7 @@
           <p:cNvPr id="14" name="Hexagon 27">
             <a:extLst>
               <a:ext uri="{FF2B5EF4-FFF2-40B4-BE49-F238E27FC236}">
-                <a16:creationId xmlns:a16="http://schemas.microsoft.com/office/drawing/2014/main" xmlns="" id="{5275D449-7441-440B-8584-96D25256F24D}"/>
+                <a16:creationId xmlns="" xmlns:a16="http://schemas.microsoft.com/office/drawing/2014/main" id="{5275D449-7441-440B-8584-96D25256F24D}"/>
               </a:ext>
             </a:extLst>
           </p:cNvPr>
@@ -13577,7 +13577,7 @@
           <p:cNvPr id="15" name="Hexagon 28">
             <a:extLst>
               <a:ext uri="{FF2B5EF4-FFF2-40B4-BE49-F238E27FC236}">
-                <a16:creationId xmlns:a16="http://schemas.microsoft.com/office/drawing/2014/main" xmlns="" id="{94CFCD79-F5CD-4175-96DE-1AC2E1999DB6}"/>
+                <a16:creationId xmlns="" xmlns:a16="http://schemas.microsoft.com/office/drawing/2014/main" id="{94CFCD79-F5CD-4175-96DE-1AC2E1999DB6}"/>
               </a:ext>
             </a:extLst>
           </p:cNvPr>
@@ -13640,7 +13640,7 @@
           <p:cNvPr id="43" name="Freeform 42">
             <a:extLst>
               <a:ext uri="{FF2B5EF4-FFF2-40B4-BE49-F238E27FC236}">
-                <a16:creationId xmlns:a16="http://schemas.microsoft.com/office/drawing/2014/main" xmlns="" id="{C8667104-E096-23C3-4C2C-5277C2AF5C57}"/>
+                <a16:creationId xmlns="" xmlns:a16="http://schemas.microsoft.com/office/drawing/2014/main" id="{C8667104-E096-23C3-4C2C-5277C2AF5C57}"/>
               </a:ext>
             </a:extLst>
           </p:cNvPr>
@@ -13749,7 +13749,7 @@
           <p:cNvPr id="18" name="Hexagon 31">
             <a:extLst>
               <a:ext uri="{FF2B5EF4-FFF2-40B4-BE49-F238E27FC236}">
-                <a16:creationId xmlns:a16="http://schemas.microsoft.com/office/drawing/2014/main" xmlns="" id="{61BB4AB0-7C5C-4697-A25B-0AFD8754AB52}"/>
+                <a16:creationId xmlns="" xmlns:a16="http://schemas.microsoft.com/office/drawing/2014/main" id="{61BB4AB0-7C5C-4697-A25B-0AFD8754AB52}"/>
               </a:ext>
             </a:extLst>
           </p:cNvPr>
@@ -13813,7 +13813,7 @@
           <p:cNvPr id="46" name="Freeform 45">
             <a:extLst>
               <a:ext uri="{FF2B5EF4-FFF2-40B4-BE49-F238E27FC236}">
-                <a16:creationId xmlns:a16="http://schemas.microsoft.com/office/drawing/2014/main" xmlns="" id="{2363FF00-E570-D743-258E-E9FEF4F02A08}"/>
+                <a16:creationId xmlns="" xmlns:a16="http://schemas.microsoft.com/office/drawing/2014/main" id="{2363FF00-E570-D743-258E-E9FEF4F02A08}"/>
               </a:ext>
             </a:extLst>
           </p:cNvPr>
@@ -13930,7 +13930,7 @@
           <p:cNvPr id="28" name="Content Placeholder 47">
             <a:extLst>
               <a:ext uri="{FF2B5EF4-FFF2-40B4-BE49-F238E27FC236}">
-                <a16:creationId xmlns:a16="http://schemas.microsoft.com/office/drawing/2014/main" xmlns="" id="{073CD90F-1E45-47EC-B558-D5F638F5FE6F}"/>
+                <a16:creationId xmlns="" xmlns:a16="http://schemas.microsoft.com/office/drawing/2014/main" id="{073CD90F-1E45-47EC-B558-D5F638F5FE6F}"/>
               </a:ext>
             </a:extLst>
           </p:cNvPr>
@@ -13985,7 +13985,7 @@
           <p:cNvPr id="29" name="Content Placeholder 47">
             <a:extLst>
               <a:ext uri="{FF2B5EF4-FFF2-40B4-BE49-F238E27FC236}">
-                <a16:creationId xmlns:a16="http://schemas.microsoft.com/office/drawing/2014/main" xmlns="" id="{9A501203-35D0-41A5-A2A4-9F05FAB495C4}"/>
+                <a16:creationId xmlns="" xmlns:a16="http://schemas.microsoft.com/office/drawing/2014/main" id="{9A501203-35D0-41A5-A2A4-9F05FAB495C4}"/>
               </a:ext>
             </a:extLst>
           </p:cNvPr>
@@ -14040,7 +14040,7 @@
           <p:cNvPr id="30" name="Content Placeholder 47">
             <a:extLst>
               <a:ext uri="{FF2B5EF4-FFF2-40B4-BE49-F238E27FC236}">
-                <a16:creationId xmlns:a16="http://schemas.microsoft.com/office/drawing/2014/main" xmlns="" id="{1FA62038-8BB7-45FD-896E-34738A5578BD}"/>
+                <a16:creationId xmlns="" xmlns:a16="http://schemas.microsoft.com/office/drawing/2014/main" id="{1FA62038-8BB7-45FD-896E-34738A5578BD}"/>
               </a:ext>
             </a:extLst>
           </p:cNvPr>
@@ -14095,7 +14095,7 @@
           <p:cNvPr id="31" name="Content Placeholder 47">
             <a:extLst>
               <a:ext uri="{FF2B5EF4-FFF2-40B4-BE49-F238E27FC236}">
-                <a16:creationId xmlns:a16="http://schemas.microsoft.com/office/drawing/2014/main" xmlns="" id="{9A7E0EE6-5885-489B-81A9-65DBC0016938}"/>
+                <a16:creationId xmlns="" xmlns:a16="http://schemas.microsoft.com/office/drawing/2014/main" id="{9A7E0EE6-5885-489B-81A9-65DBC0016938}"/>
               </a:ext>
             </a:extLst>
           </p:cNvPr>
@@ -14150,7 +14150,7 @@
           <p:cNvPr id="21" name="Content Placeholder 47" descr="Click icon to add picture">
             <a:extLst>
               <a:ext uri="{FF2B5EF4-FFF2-40B4-BE49-F238E27FC236}">
-                <a16:creationId xmlns:a16="http://schemas.microsoft.com/office/drawing/2014/main" xmlns="" id="{B7E46D91-6194-E279-CAE3-425E21FD4A83}"/>
+                <a16:creationId xmlns="" xmlns:a16="http://schemas.microsoft.com/office/drawing/2014/main" id="{B7E46D91-6194-E279-CAE3-425E21FD4A83}"/>
               </a:ext>
             </a:extLst>
           </p:cNvPr>
@@ -14213,7 +14213,7 @@
           <p:cNvPr id="22" name="Title 1">
             <a:extLst>
               <a:ext uri="{FF2B5EF4-FFF2-40B4-BE49-F238E27FC236}">
-                <a16:creationId xmlns:a16="http://schemas.microsoft.com/office/drawing/2014/main" xmlns="" id="{4722C9EB-D452-B3DF-5219-160F48DE789C}"/>
+                <a16:creationId xmlns="" xmlns:a16="http://schemas.microsoft.com/office/drawing/2014/main" id="{4722C9EB-D452-B3DF-5219-160F48DE789C}"/>
               </a:ext>
             </a:extLst>
           </p:cNvPr>
@@ -14257,7 +14257,7 @@
           <p:cNvPr id="40" name="Freeform 39">
             <a:extLst>
               <a:ext uri="{FF2B5EF4-FFF2-40B4-BE49-F238E27FC236}">
-                <a16:creationId xmlns:a16="http://schemas.microsoft.com/office/drawing/2014/main" xmlns="" id="{E3C8467A-0A34-2A65-92FE-F12F6A3D84A6}"/>
+                <a16:creationId xmlns="" xmlns:a16="http://schemas.microsoft.com/office/drawing/2014/main" id="{E3C8467A-0A34-2A65-92FE-F12F6A3D84A6}"/>
               </a:ext>
             </a:extLst>
           </p:cNvPr>
@@ -14431,7 +14431,7 @@
           <p:cNvPr id="17" name="Title 16">
             <a:extLst>
               <a:ext uri="{FF2B5EF4-FFF2-40B4-BE49-F238E27FC236}">
-                <a16:creationId xmlns:a16="http://schemas.microsoft.com/office/drawing/2014/main" xmlns="" id="{5518B595-5A04-0768-52B1-73F11E4754EA}"/>
+                <a16:creationId xmlns="" xmlns:a16="http://schemas.microsoft.com/office/drawing/2014/main" id="{5518B595-5A04-0768-52B1-73F11E4754EA}"/>
               </a:ext>
             </a:extLst>
           </p:cNvPr>
@@ -14475,7 +14475,7 @@
           <p:cNvPr id="7" name="Freeform: Shape 4">
             <a:extLst>
               <a:ext uri="{FF2B5EF4-FFF2-40B4-BE49-F238E27FC236}">
-                <a16:creationId xmlns:a16="http://schemas.microsoft.com/office/drawing/2014/main" xmlns="" id="{AE722AFD-22D7-4BD8-B055-3867C3800E16}"/>
+                <a16:creationId xmlns="" xmlns:a16="http://schemas.microsoft.com/office/drawing/2014/main" id="{AE722AFD-22D7-4BD8-B055-3867C3800E16}"/>
               </a:ext>
             </a:extLst>
           </p:cNvPr>
@@ -14615,7 +14615,7 @@
           <p:cNvPr id="13" name="Freeform: Shape 12">
             <a:extLst>
               <a:ext uri="{FF2B5EF4-FFF2-40B4-BE49-F238E27FC236}">
-                <a16:creationId xmlns:a16="http://schemas.microsoft.com/office/drawing/2014/main" xmlns="" id="{5D0355E4-3980-42A9-9376-74163520D39D}"/>
+                <a16:creationId xmlns="" xmlns:a16="http://schemas.microsoft.com/office/drawing/2014/main" id="{5D0355E4-3980-42A9-9376-74163520D39D}"/>
               </a:ext>
             </a:extLst>
           </p:cNvPr>
@@ -14755,7 +14755,7 @@
           <p:cNvPr id="14" name="Freeform: Shape 13">
             <a:extLst>
               <a:ext uri="{FF2B5EF4-FFF2-40B4-BE49-F238E27FC236}">
-                <a16:creationId xmlns:a16="http://schemas.microsoft.com/office/drawing/2014/main" xmlns="" id="{70174533-8C0E-4E82-A582-891A0555FA1F}"/>
+                <a16:creationId xmlns="" xmlns:a16="http://schemas.microsoft.com/office/drawing/2014/main" id="{70174533-8C0E-4E82-A582-891A0555FA1F}"/>
               </a:ext>
             </a:extLst>
           </p:cNvPr>
@@ -14895,7 +14895,7 @@
           <p:cNvPr id="15" name="Freeform: Shape 14">
             <a:extLst>
               <a:ext uri="{FF2B5EF4-FFF2-40B4-BE49-F238E27FC236}">
-                <a16:creationId xmlns:a16="http://schemas.microsoft.com/office/drawing/2014/main" xmlns="" id="{071E3938-A754-4D49-B509-249EE9BD83AB}"/>
+                <a16:creationId xmlns="" xmlns:a16="http://schemas.microsoft.com/office/drawing/2014/main" id="{071E3938-A754-4D49-B509-249EE9BD83AB}"/>
               </a:ext>
             </a:extLst>
           </p:cNvPr>
@@ -15035,7 +15035,7 @@
           <p:cNvPr id="16" name="Freeform: Shape 15">
             <a:extLst>
               <a:ext uri="{FF2B5EF4-FFF2-40B4-BE49-F238E27FC236}">
-                <a16:creationId xmlns:a16="http://schemas.microsoft.com/office/drawing/2014/main" xmlns="" id="{B9D430ED-A815-4274-966C-8192C4230569}"/>
+                <a16:creationId xmlns="" xmlns:a16="http://schemas.microsoft.com/office/drawing/2014/main" id="{B9D430ED-A815-4274-966C-8192C4230569}"/>
               </a:ext>
             </a:extLst>
           </p:cNvPr>
@@ -15175,7 +15175,7 @@
           <p:cNvPr id="24" name="Content placeholder 47" descr="Click icon to add picture">
             <a:extLst>
               <a:ext uri="{FF2B5EF4-FFF2-40B4-BE49-F238E27FC236}">
-                <a16:creationId xmlns:a16="http://schemas.microsoft.com/office/drawing/2014/main" xmlns="" id="{5414CF94-2913-4AE7-AAC3-3D61FE742888}"/>
+                <a16:creationId xmlns="" xmlns:a16="http://schemas.microsoft.com/office/drawing/2014/main" id="{5414CF94-2913-4AE7-AAC3-3D61FE742888}"/>
               </a:ext>
             </a:extLst>
           </p:cNvPr>
@@ -15247,7 +15247,7 @@
           <p:cNvPr id="26" name="Content placeholder 47" descr="Click icon to add picture">
             <a:extLst>
               <a:ext uri="{FF2B5EF4-FFF2-40B4-BE49-F238E27FC236}">
-                <a16:creationId xmlns:a16="http://schemas.microsoft.com/office/drawing/2014/main" xmlns="" id="{3CE3485A-395E-4C5F-A00F-D230FF7CFB93}"/>
+                <a16:creationId xmlns="" xmlns:a16="http://schemas.microsoft.com/office/drawing/2014/main" id="{3CE3485A-395E-4C5F-A00F-D230FF7CFB93}"/>
               </a:ext>
             </a:extLst>
           </p:cNvPr>
@@ -15319,7 +15319,7 @@
           <p:cNvPr id="33" name="Content placeholder 47" descr="Click icon to add picture">
             <a:extLst>
               <a:ext uri="{FF2B5EF4-FFF2-40B4-BE49-F238E27FC236}">
-                <a16:creationId xmlns:a16="http://schemas.microsoft.com/office/drawing/2014/main" xmlns="" id="{6A8DFBFF-5B07-49C6-ADB8-341FCD1E7531}"/>
+                <a16:creationId xmlns="" xmlns:a16="http://schemas.microsoft.com/office/drawing/2014/main" id="{6A8DFBFF-5B07-49C6-ADB8-341FCD1E7531}"/>
               </a:ext>
             </a:extLst>
           </p:cNvPr>
@@ -15383,7 +15383,7 @@
           <p:cNvPr id="34" name="Content placeholder 47" descr="Click icon to add picture">
             <a:extLst>
               <a:ext uri="{FF2B5EF4-FFF2-40B4-BE49-F238E27FC236}">
-                <a16:creationId xmlns:a16="http://schemas.microsoft.com/office/drawing/2014/main" xmlns="" id="{1AC7F192-CFC3-470A-9467-330212C6F52D}"/>
+                <a16:creationId xmlns="" xmlns:a16="http://schemas.microsoft.com/office/drawing/2014/main" id="{1AC7F192-CFC3-470A-9467-330212C6F52D}"/>
               </a:ext>
             </a:extLst>
           </p:cNvPr>
@@ -15447,7 +15447,7 @@
           <p:cNvPr id="35" name="Content placeholder 47" descr="Click icon to add picture">
             <a:extLst>
               <a:ext uri="{FF2B5EF4-FFF2-40B4-BE49-F238E27FC236}">
-                <a16:creationId xmlns:a16="http://schemas.microsoft.com/office/drawing/2014/main" xmlns="" id="{A5D53FF3-B0CD-4D31-9128-2D2E0E89F09C}"/>
+                <a16:creationId xmlns="" xmlns:a16="http://schemas.microsoft.com/office/drawing/2014/main" id="{A5D53FF3-B0CD-4D31-9128-2D2E0E89F09C}"/>
               </a:ext>
             </a:extLst>
           </p:cNvPr>
@@ -15511,7 +15511,7 @@
           <p:cNvPr id="6" name="Freeform: Shape 6">
             <a:extLst>
               <a:ext uri="{FF2B5EF4-FFF2-40B4-BE49-F238E27FC236}">
-                <a16:creationId xmlns:a16="http://schemas.microsoft.com/office/drawing/2014/main" xmlns="" id="{4D27EAE5-5D14-4E2B-9A4E-E1CE7C26F40F}"/>
+                <a16:creationId xmlns="" xmlns:a16="http://schemas.microsoft.com/office/drawing/2014/main" id="{4D27EAE5-5D14-4E2B-9A4E-E1CE7C26F40F}"/>
               </a:ext>
             </a:extLst>
           </p:cNvPr>
@@ -15648,7 +15648,7 @@
           <p:cNvPr id="29" name="Freeform 28">
             <a:extLst>
               <a:ext uri="{FF2B5EF4-FFF2-40B4-BE49-F238E27FC236}">
-                <a16:creationId xmlns:a16="http://schemas.microsoft.com/office/drawing/2014/main" xmlns="" id="{0B88ADED-0863-78D3-7710-E131932E965F}"/>
+                <a16:creationId xmlns="" xmlns:a16="http://schemas.microsoft.com/office/drawing/2014/main" id="{0B88ADED-0863-78D3-7710-E131932E965F}"/>
               </a:ext>
             </a:extLst>
           </p:cNvPr>
@@ -15761,7 +15761,7 @@
           <p:cNvPr id="28" name="Freeform 27">
             <a:extLst>
               <a:ext uri="{FF2B5EF4-FFF2-40B4-BE49-F238E27FC236}">
-                <a16:creationId xmlns:a16="http://schemas.microsoft.com/office/drawing/2014/main" xmlns="" id="{32435EB1-8BEE-9EEE-D9E4-E53D56B7E09C}"/>
+                <a16:creationId xmlns="" xmlns:a16="http://schemas.microsoft.com/office/drawing/2014/main" id="{32435EB1-8BEE-9EEE-D9E4-E53D56B7E09C}"/>
               </a:ext>
             </a:extLst>
           </p:cNvPr>
@@ -15858,7 +15858,7 @@
           <p:cNvPr id="30" name="Freeform 29">
             <a:extLst>
               <a:ext uri="{FF2B5EF4-FFF2-40B4-BE49-F238E27FC236}">
-                <a16:creationId xmlns:a16="http://schemas.microsoft.com/office/drawing/2014/main" xmlns="" id="{2692688E-3654-181E-6244-F2CED7612746}"/>
+                <a16:creationId xmlns="" xmlns:a16="http://schemas.microsoft.com/office/drawing/2014/main" id="{2692688E-3654-181E-6244-F2CED7612746}"/>
               </a:ext>
             </a:extLst>
           </p:cNvPr>
@@ -15971,7 +15971,7 @@
           <p:cNvPr id="11" name="Freeform: Shape 10">
             <a:extLst>
               <a:ext uri="{FF2B5EF4-FFF2-40B4-BE49-F238E27FC236}">
-                <a16:creationId xmlns:a16="http://schemas.microsoft.com/office/drawing/2014/main" xmlns="" id="{01796F5D-2CC8-44C2-B5B5-E61BEFFF5A72}"/>
+                <a16:creationId xmlns="" xmlns:a16="http://schemas.microsoft.com/office/drawing/2014/main" id="{01796F5D-2CC8-44C2-B5B5-E61BEFFF5A72}"/>
               </a:ext>
             </a:extLst>
           </p:cNvPr>
@@ -16108,7 +16108,7 @@
           <p:cNvPr id="12" name="Freeform: Shape 11">
             <a:extLst>
               <a:ext uri="{FF2B5EF4-FFF2-40B4-BE49-F238E27FC236}">
-                <a16:creationId xmlns:a16="http://schemas.microsoft.com/office/drawing/2014/main" xmlns="" id="{73093633-6A91-42B5-961C-4B3A5DDF2146}"/>
+                <a16:creationId xmlns="" xmlns:a16="http://schemas.microsoft.com/office/drawing/2014/main" id="{73093633-6A91-42B5-961C-4B3A5DDF2146}"/>
               </a:ext>
             </a:extLst>
           </p:cNvPr>
@@ -16245,7 +16245,7 @@
           <p:cNvPr id="2" name="Footer Placeholder 1">
             <a:extLst>
               <a:ext uri="{FF2B5EF4-FFF2-40B4-BE49-F238E27FC236}">
-                <a16:creationId xmlns:a16="http://schemas.microsoft.com/office/drawing/2014/main" xmlns="" id="{D6B1A7E0-D0BF-7FCA-D296-94BFC0D611C5}"/>
+                <a16:creationId xmlns="" xmlns:a16="http://schemas.microsoft.com/office/drawing/2014/main" id="{D6B1A7E0-D0BF-7FCA-D296-94BFC0D611C5}"/>
               </a:ext>
             </a:extLst>
           </p:cNvPr>
@@ -16287,7 +16287,7 @@
           <p:cNvPr id="3" name="Slide Number Placeholder 2">
             <a:extLst>
               <a:ext uri="{FF2B5EF4-FFF2-40B4-BE49-F238E27FC236}">
-                <a16:creationId xmlns:a16="http://schemas.microsoft.com/office/drawing/2014/main" xmlns="" id="{FCAC10D1-DF42-8734-0793-84312B963E62}"/>
+                <a16:creationId xmlns="" xmlns:a16="http://schemas.microsoft.com/office/drawing/2014/main" id="{FCAC10D1-DF42-8734-0793-84312B963E62}"/>
               </a:ext>
             </a:extLst>
           </p:cNvPr>
@@ -16337,7 +16337,7 @@
   </p:clrMapOvr>
   <p:extLst>
     <p:ext uri="{DCECCB84-F9BA-43D5-87BE-67443E8EF086}">
-      <p15:sldGuideLst xmlns:p15="http://schemas.microsoft.com/office/powerpoint/2012/main" xmlns="">
+      <p15:sldGuideLst xmlns="" xmlns:p15="http://schemas.microsoft.com/office/powerpoint/2012/main">
         <p15:guide id="1" orient="horz" pos="528">
           <p15:clr>
             <a:srgbClr val="FBAE40"/>
@@ -16376,7 +16376,7 @@
           <p:cNvPr id="6" name="Title 5">
             <a:extLst>
               <a:ext uri="{FF2B5EF4-FFF2-40B4-BE49-F238E27FC236}">
-                <a16:creationId xmlns:a16="http://schemas.microsoft.com/office/drawing/2014/main" xmlns="" id="{50C1D3CF-F6AF-93EB-C40E-C278E58442C0}"/>
+                <a16:creationId xmlns="" xmlns:a16="http://schemas.microsoft.com/office/drawing/2014/main" id="{50C1D3CF-F6AF-93EB-C40E-C278E58442C0}"/>
               </a:ext>
             </a:extLst>
           </p:cNvPr>
@@ -16420,7 +16420,7 @@
           <p:cNvPr id="14" name="Content placeholder 47">
             <a:extLst>
               <a:ext uri="{FF2B5EF4-FFF2-40B4-BE49-F238E27FC236}">
-                <a16:creationId xmlns:a16="http://schemas.microsoft.com/office/drawing/2014/main" xmlns="" id="{E61594E5-F661-407F-9B5E-62267D2E6AAD}"/>
+                <a16:creationId xmlns="" xmlns:a16="http://schemas.microsoft.com/office/drawing/2014/main" id="{E61594E5-F661-407F-9B5E-62267D2E6AAD}"/>
               </a:ext>
             </a:extLst>
           </p:cNvPr>
@@ -16484,7 +16484,7 @@
           <p:cNvPr id="21" name="Picture Placeholder 20">
             <a:extLst>
               <a:ext uri="{FF2B5EF4-FFF2-40B4-BE49-F238E27FC236}">
-                <a16:creationId xmlns:a16="http://schemas.microsoft.com/office/drawing/2014/main" xmlns="" id="{988BDF24-3B67-5B77-0D48-319FA7FD0F65}"/>
+                <a16:creationId xmlns="" xmlns:a16="http://schemas.microsoft.com/office/drawing/2014/main" id="{988BDF24-3B67-5B77-0D48-319FA7FD0F65}"/>
               </a:ext>
             </a:extLst>
           </p:cNvPr>
@@ -16682,7 +16682,7 @@
           <p:cNvPr id="5" name="Footer Placeholder 4">
             <a:extLst>
               <a:ext uri="{FF2B5EF4-FFF2-40B4-BE49-F238E27FC236}">
-                <a16:creationId xmlns:a16="http://schemas.microsoft.com/office/drawing/2014/main" xmlns="" id="{41F6C45B-70BB-86F1-1866-F93BEC26ACF8}"/>
+                <a16:creationId xmlns="" xmlns:a16="http://schemas.microsoft.com/office/drawing/2014/main" id="{41F6C45B-70BB-86F1-1866-F93BEC26ACF8}"/>
               </a:ext>
             </a:extLst>
           </p:cNvPr>
@@ -16721,7 +16721,7 @@
           <p:cNvPr id="7" name="Slide Number Placeholder 6">
             <a:extLst>
               <a:ext uri="{FF2B5EF4-FFF2-40B4-BE49-F238E27FC236}">
-                <a16:creationId xmlns:a16="http://schemas.microsoft.com/office/drawing/2014/main" xmlns="" id="{0870044D-485D-043B-9D5B-C01AA8E06447}"/>
+                <a16:creationId xmlns="" xmlns:a16="http://schemas.microsoft.com/office/drawing/2014/main" id="{0870044D-485D-043B-9D5B-C01AA8E06447}"/>
               </a:ext>
             </a:extLst>
           </p:cNvPr>
@@ -16791,7 +16791,7 @@
           <p:cNvPr id="8" name="Title Placeholder 4">
             <a:extLst>
               <a:ext uri="{FF2B5EF4-FFF2-40B4-BE49-F238E27FC236}">
-                <a16:creationId xmlns:a16="http://schemas.microsoft.com/office/drawing/2014/main" xmlns="" id="{F73BF8E3-2426-5D65-6582-D4B03C765A5D}"/>
+                <a16:creationId xmlns="" xmlns:a16="http://schemas.microsoft.com/office/drawing/2014/main" id="{F73BF8E3-2426-5D65-6582-D4B03C765A5D}"/>
               </a:ext>
             </a:extLst>
           </p:cNvPr>
@@ -16838,7 +16838,7 @@
           <p:cNvPr id="18" name="Hexagon 17">
             <a:extLst>
               <a:ext uri="{FF2B5EF4-FFF2-40B4-BE49-F238E27FC236}">
-                <a16:creationId xmlns:a16="http://schemas.microsoft.com/office/drawing/2014/main" xmlns="" id="{ADF8D8A3-175E-9A50-A98B-3766DAAB5EE2}"/>
+                <a16:creationId xmlns="" xmlns:a16="http://schemas.microsoft.com/office/drawing/2014/main" id="{ADF8D8A3-175E-9A50-A98B-3766DAAB5EE2}"/>
               </a:ext>
             </a:extLst>
           </p:cNvPr>
@@ -16899,7 +16899,7 @@
           <p:cNvPr id="11" name="Text 47" descr="Click icon to add picture">
             <a:extLst>
               <a:ext uri="{FF2B5EF4-FFF2-40B4-BE49-F238E27FC236}">
-                <a16:creationId xmlns:a16="http://schemas.microsoft.com/office/drawing/2014/main" xmlns="" id="{B264F104-ED4D-9A7F-E598-295893E05B7F}"/>
+                <a16:creationId xmlns="" xmlns:a16="http://schemas.microsoft.com/office/drawing/2014/main" id="{B264F104-ED4D-9A7F-E598-295893E05B7F}"/>
               </a:ext>
             </a:extLst>
           </p:cNvPr>
@@ -16962,7 +16962,7 @@
           <p:cNvPr id="17" name="Picture Placeholder 16">
             <a:extLst>
               <a:ext uri="{FF2B5EF4-FFF2-40B4-BE49-F238E27FC236}">
-                <a16:creationId xmlns:a16="http://schemas.microsoft.com/office/drawing/2014/main" xmlns="" id="{7A084A88-6A62-9495-6CFE-1127D5CAAAB2}"/>
+                <a16:creationId xmlns="" xmlns:a16="http://schemas.microsoft.com/office/drawing/2014/main" id="{7A084A88-6A62-9495-6CFE-1127D5CAAAB2}"/>
               </a:ext>
             </a:extLst>
           </p:cNvPr>
@@ -17150,7 +17150,7 @@
           <p:cNvPr id="2" name="Title 1">
             <a:extLst>
               <a:ext uri="{FF2B5EF4-FFF2-40B4-BE49-F238E27FC236}">
-                <a16:creationId xmlns:a16="http://schemas.microsoft.com/office/drawing/2014/main" xmlns="" id="{7C42BC57-1D8D-9F59-24F9-1E8232279959}"/>
+                <a16:creationId xmlns="" xmlns:a16="http://schemas.microsoft.com/office/drawing/2014/main" id="{7C42BC57-1D8D-9F59-24F9-1E8232279959}"/>
               </a:ext>
             </a:extLst>
           </p:cNvPr>
@@ -17191,7 +17191,7 @@
           <p:cNvPr id="11" name="Content placeholder 47">
             <a:extLst>
               <a:ext uri="{FF2B5EF4-FFF2-40B4-BE49-F238E27FC236}">
-                <a16:creationId xmlns:a16="http://schemas.microsoft.com/office/drawing/2014/main" xmlns="" id="{561744A6-D3EA-42C3-8E71-3BB8BA1E6149}"/>
+                <a16:creationId xmlns="" xmlns:a16="http://schemas.microsoft.com/office/drawing/2014/main" id="{561744A6-D3EA-42C3-8E71-3BB8BA1E6149}"/>
               </a:ext>
             </a:extLst>
           </p:cNvPr>
@@ -17236,7 +17236,7 @@
           <p:cNvPr id="3" name="Footer Placeholder 2">
             <a:extLst>
               <a:ext uri="{FF2B5EF4-FFF2-40B4-BE49-F238E27FC236}">
-                <a16:creationId xmlns:a16="http://schemas.microsoft.com/office/drawing/2014/main" xmlns="" id="{D1C82179-6F61-D1EC-D800-74B748B37F0E}"/>
+                <a16:creationId xmlns="" xmlns:a16="http://schemas.microsoft.com/office/drawing/2014/main" id="{D1C82179-6F61-D1EC-D800-74B748B37F0E}"/>
               </a:ext>
             </a:extLst>
           </p:cNvPr>
@@ -17273,7 +17273,7 @@
           <p:cNvPr id="5" name="Slide Number Placeholder 4">
             <a:extLst>
               <a:ext uri="{FF2B5EF4-FFF2-40B4-BE49-F238E27FC236}">
-                <a16:creationId xmlns:a16="http://schemas.microsoft.com/office/drawing/2014/main" xmlns="" id="{38803A51-0211-9F66-D20B-444BC94AA39E}"/>
+                <a16:creationId xmlns="" xmlns:a16="http://schemas.microsoft.com/office/drawing/2014/main" id="{38803A51-0211-9F66-D20B-444BC94AA39E}"/>
               </a:ext>
             </a:extLst>
           </p:cNvPr>
@@ -17341,7 +17341,7 @@
           <p:cNvPr id="11" name="Title Placeholder 4">
             <a:extLst>
               <a:ext uri="{FF2B5EF4-FFF2-40B4-BE49-F238E27FC236}">
-                <a16:creationId xmlns:a16="http://schemas.microsoft.com/office/drawing/2014/main" xmlns="" id="{05751864-B11A-0286-13EA-2AC2A2C8DD5D}"/>
+                <a16:creationId xmlns="" xmlns:a16="http://schemas.microsoft.com/office/drawing/2014/main" id="{05751864-B11A-0286-13EA-2AC2A2C8DD5D}"/>
               </a:ext>
             </a:extLst>
           </p:cNvPr>
@@ -17388,7 +17388,7 @@
           <p:cNvPr id="10" name="Table placeholder">
             <a:extLst>
               <a:ext uri="{FF2B5EF4-FFF2-40B4-BE49-F238E27FC236}">
-                <a16:creationId xmlns:a16="http://schemas.microsoft.com/office/drawing/2014/main" xmlns="" id="{CFC5FF09-DE50-4155-81A0-5DD9B700F205}"/>
+                <a16:creationId xmlns="" xmlns:a16="http://schemas.microsoft.com/office/drawing/2014/main" id="{CFC5FF09-DE50-4155-81A0-5DD9B700F205}"/>
               </a:ext>
             </a:extLst>
           </p:cNvPr>
@@ -17435,7 +17435,7 @@
           <p:cNvPr id="9" name="Freeform: Shape 5">
             <a:extLst>
               <a:ext uri="{FF2B5EF4-FFF2-40B4-BE49-F238E27FC236}">
-                <a16:creationId xmlns:a16="http://schemas.microsoft.com/office/drawing/2014/main" xmlns="" id="{3F619E6B-153E-B522-47EB-4104C405736C}"/>
+                <a16:creationId xmlns="" xmlns:a16="http://schemas.microsoft.com/office/drawing/2014/main" id="{3F619E6B-153E-B522-47EB-4104C405736C}"/>
               </a:ext>
             </a:extLst>
           </p:cNvPr>
@@ -17576,7 +17576,7 @@
           <p:cNvPr id="12" name="Freeform 11">
             <a:extLst>
               <a:ext uri="{FF2B5EF4-FFF2-40B4-BE49-F238E27FC236}">
-                <a16:creationId xmlns:a16="http://schemas.microsoft.com/office/drawing/2014/main" xmlns="" id="{687A7B3D-E004-6D6A-5979-8F1BADBC9237}"/>
+                <a16:creationId xmlns="" xmlns:a16="http://schemas.microsoft.com/office/drawing/2014/main" id="{687A7B3D-E004-6D6A-5979-8F1BADBC9237}"/>
               </a:ext>
             </a:extLst>
           </p:cNvPr>
@@ -17693,7 +17693,7 @@
           <p:cNvPr id="13" name="Freeform: Shape 11">
             <a:extLst>
               <a:ext uri="{FF2B5EF4-FFF2-40B4-BE49-F238E27FC236}">
-                <a16:creationId xmlns:a16="http://schemas.microsoft.com/office/drawing/2014/main" xmlns="" id="{A4CA3A93-BDBF-112D-54A0-05BF6B06BCC1}"/>
+                <a16:creationId xmlns="" xmlns:a16="http://schemas.microsoft.com/office/drawing/2014/main" id="{A4CA3A93-BDBF-112D-54A0-05BF6B06BCC1}"/>
               </a:ext>
             </a:extLst>
           </p:cNvPr>
@@ -17835,7 +17835,7 @@
           <p:cNvPr id="2" name="Footer Placeholder 1">
             <a:extLst>
               <a:ext uri="{FF2B5EF4-FFF2-40B4-BE49-F238E27FC236}">
-                <a16:creationId xmlns:a16="http://schemas.microsoft.com/office/drawing/2014/main" xmlns="" id="{5F7A154B-D8F5-C1FB-307D-496380875BD1}"/>
+                <a16:creationId xmlns="" xmlns:a16="http://schemas.microsoft.com/office/drawing/2014/main" id="{5F7A154B-D8F5-C1FB-307D-496380875BD1}"/>
               </a:ext>
             </a:extLst>
           </p:cNvPr>
@@ -17874,7 +17874,7 @@
           <p:cNvPr id="5" name="Slide Number Placeholder 4">
             <a:extLst>
               <a:ext uri="{FF2B5EF4-FFF2-40B4-BE49-F238E27FC236}">
-                <a16:creationId xmlns:a16="http://schemas.microsoft.com/office/drawing/2014/main" xmlns="" id="{D728715E-D2CE-A33E-1A28-4E627F239BBE}"/>
+                <a16:creationId xmlns="" xmlns:a16="http://schemas.microsoft.com/office/drawing/2014/main" id="{D728715E-D2CE-A33E-1A28-4E627F239BBE}"/>
               </a:ext>
             </a:extLst>
           </p:cNvPr>
@@ -17944,7 +17944,7 @@
           <p:cNvPr id="7" name="Title 6">
             <a:extLst>
               <a:ext uri="{FF2B5EF4-FFF2-40B4-BE49-F238E27FC236}">
-                <a16:creationId xmlns:a16="http://schemas.microsoft.com/office/drawing/2014/main" xmlns="" id="{8BF58E95-E9E1-28E6-FB2F-DE808892233F}"/>
+                <a16:creationId xmlns="" xmlns:a16="http://schemas.microsoft.com/office/drawing/2014/main" id="{8BF58E95-E9E1-28E6-FB2F-DE808892233F}"/>
               </a:ext>
             </a:extLst>
           </p:cNvPr>
@@ -17997,7 +17997,7 @@
           <p:cNvPr id="11" name="subtitle 47">
             <a:extLst>
               <a:ext uri="{FF2B5EF4-FFF2-40B4-BE49-F238E27FC236}">
-                <a16:creationId xmlns:a16="http://schemas.microsoft.com/office/drawing/2014/main" xmlns="" id="{3B45AD65-2B81-A368-E5F0-5C61D0B1DFEB}"/>
+                <a16:creationId xmlns="" xmlns:a16="http://schemas.microsoft.com/office/drawing/2014/main" id="{3B45AD65-2B81-A368-E5F0-5C61D0B1DFEB}"/>
               </a:ext>
             </a:extLst>
           </p:cNvPr>
@@ -18061,7 +18061,7 @@
           <p:cNvPr id="4" name="Freeform: Shape 5">
             <a:extLst>
               <a:ext uri="{FF2B5EF4-FFF2-40B4-BE49-F238E27FC236}">
-                <a16:creationId xmlns:a16="http://schemas.microsoft.com/office/drawing/2014/main" xmlns="" id="{0CA4AA19-0D07-46AB-AC12-64054BBBB499}"/>
+                <a16:creationId xmlns="" xmlns:a16="http://schemas.microsoft.com/office/drawing/2014/main" id="{0CA4AA19-0D07-46AB-AC12-64054BBBB499}"/>
               </a:ext>
             </a:extLst>
           </p:cNvPr>
@@ -18201,7 +18201,7 @@
           <p:cNvPr id="5" name="Freeform: Shape 6">
             <a:extLst>
               <a:ext uri="{FF2B5EF4-FFF2-40B4-BE49-F238E27FC236}">
-                <a16:creationId xmlns:a16="http://schemas.microsoft.com/office/drawing/2014/main" xmlns="" id="{DF781D9E-0DF5-4DDA-84E6-35DFB054158C}"/>
+                <a16:creationId xmlns="" xmlns:a16="http://schemas.microsoft.com/office/drawing/2014/main" id="{DF781D9E-0DF5-4DDA-84E6-35DFB054158C}"/>
               </a:ext>
             </a:extLst>
           </p:cNvPr>
@@ -18341,7 +18341,7 @@
           <p:cNvPr id="6" name="Freeform: Shape 7">
             <a:extLst>
               <a:ext uri="{FF2B5EF4-FFF2-40B4-BE49-F238E27FC236}">
-                <a16:creationId xmlns:a16="http://schemas.microsoft.com/office/drawing/2014/main" xmlns="" id="{86BA1075-E23C-4BC9-8F67-B2E408F864D2}"/>
+                <a16:creationId xmlns="" xmlns:a16="http://schemas.microsoft.com/office/drawing/2014/main" id="{86BA1075-E23C-4BC9-8F67-B2E408F864D2}"/>
               </a:ext>
             </a:extLst>
           </p:cNvPr>
@@ -18478,7 +18478,7 @@
           <p:cNvPr id="8" name="Freeform: Shape 11">
             <a:extLst>
               <a:ext uri="{FF2B5EF4-FFF2-40B4-BE49-F238E27FC236}">
-                <a16:creationId xmlns:a16="http://schemas.microsoft.com/office/drawing/2014/main" xmlns="" id="{B2A4CA75-D17E-243B-9C56-A63C75AF6D56}"/>
+                <a16:creationId xmlns="" xmlns:a16="http://schemas.microsoft.com/office/drawing/2014/main" id="{B2A4CA75-D17E-243B-9C56-A63C75AF6D56}"/>
               </a:ext>
             </a:extLst>
           </p:cNvPr>
@@ -18620,7 +18620,7 @@
           <p:cNvPr id="3" name="Footer Placeholder 2">
             <a:extLst>
               <a:ext uri="{FF2B5EF4-FFF2-40B4-BE49-F238E27FC236}">
-                <a16:creationId xmlns:a16="http://schemas.microsoft.com/office/drawing/2014/main" xmlns="" id="{7964077E-956B-EA3A-700F-A833D82341FE}"/>
+                <a16:creationId xmlns="" xmlns:a16="http://schemas.microsoft.com/office/drawing/2014/main" id="{7964077E-956B-EA3A-700F-A833D82341FE}"/>
               </a:ext>
             </a:extLst>
           </p:cNvPr>
@@ -18651,7 +18651,7 @@
           <p:cNvPr id="10" name="Slide Number Placeholder 9">
             <a:extLst>
               <a:ext uri="{FF2B5EF4-FFF2-40B4-BE49-F238E27FC236}">
-                <a16:creationId xmlns:a16="http://schemas.microsoft.com/office/drawing/2014/main" xmlns="" id="{8ED455D4-27F3-B6AD-2A20-7475F307E5E4}"/>
+                <a16:creationId xmlns="" xmlns:a16="http://schemas.microsoft.com/office/drawing/2014/main" id="{8ED455D4-27F3-B6AD-2A20-7475F307E5E4}"/>
               </a:ext>
             </a:extLst>
           </p:cNvPr>
@@ -18713,7 +18713,7 @@
           <p:cNvPr id="16" name="Title Placeholder 4">
             <a:extLst>
               <a:ext uri="{FF2B5EF4-FFF2-40B4-BE49-F238E27FC236}">
-                <a16:creationId xmlns:a16="http://schemas.microsoft.com/office/drawing/2014/main" xmlns="" id="{DCA6F28B-ACF1-D3CB-8968-4F64BEA02E93}"/>
+                <a16:creationId xmlns="" xmlns:a16="http://schemas.microsoft.com/office/drawing/2014/main" id="{DCA6F28B-ACF1-D3CB-8968-4F64BEA02E93}"/>
               </a:ext>
             </a:extLst>
           </p:cNvPr>
@@ -18760,7 +18760,7 @@
           <p:cNvPr id="60" name="Content placeholder 47">
             <a:extLst>
               <a:ext uri="{FF2B5EF4-FFF2-40B4-BE49-F238E27FC236}">
-                <a16:creationId xmlns:a16="http://schemas.microsoft.com/office/drawing/2014/main" xmlns="" id="{E2F72F6F-0172-47B0-8D9E-0EED383332E2}"/>
+                <a16:creationId xmlns="" xmlns:a16="http://schemas.microsoft.com/office/drawing/2014/main" id="{E2F72F6F-0172-47B0-8D9E-0EED383332E2}"/>
               </a:ext>
             </a:extLst>
           </p:cNvPr>
@@ -18815,7 +18815,7 @@
           <p:cNvPr id="52" name="Content placeholder 47" descr="Click icon to add picture">
             <a:extLst>
               <a:ext uri="{FF2B5EF4-FFF2-40B4-BE49-F238E27FC236}">
-                <a16:creationId xmlns:a16="http://schemas.microsoft.com/office/drawing/2014/main" xmlns="" id="{2369DDD8-CFC2-4980-A0DB-411AA173B475}"/>
+                <a16:creationId xmlns="" xmlns:a16="http://schemas.microsoft.com/office/drawing/2014/main" id="{2369DDD8-CFC2-4980-A0DB-411AA173B475}"/>
               </a:ext>
             </a:extLst>
           </p:cNvPr>
@@ -18880,7 +18880,7 @@
           <p:cNvPr id="53" name="Content placeholder 47">
             <a:extLst>
               <a:ext uri="{FF2B5EF4-FFF2-40B4-BE49-F238E27FC236}">
-                <a16:creationId xmlns:a16="http://schemas.microsoft.com/office/drawing/2014/main" xmlns="" id="{B66AC261-5929-40D2-A646-8F16675DE383}"/>
+                <a16:creationId xmlns="" xmlns:a16="http://schemas.microsoft.com/office/drawing/2014/main" id="{B66AC261-5929-40D2-A646-8F16675DE383}"/>
               </a:ext>
             </a:extLst>
           </p:cNvPr>
@@ -18944,7 +18944,7 @@
           <p:cNvPr id="61" name="Content placeholder 47">
             <a:extLst>
               <a:ext uri="{FF2B5EF4-FFF2-40B4-BE49-F238E27FC236}">
-                <a16:creationId xmlns:a16="http://schemas.microsoft.com/office/drawing/2014/main" xmlns="" id="{B33A9FB2-1610-4389-B352-D99255F77BEC}"/>
+                <a16:creationId xmlns="" xmlns:a16="http://schemas.microsoft.com/office/drawing/2014/main" id="{B33A9FB2-1610-4389-B352-D99255F77BEC}"/>
               </a:ext>
             </a:extLst>
           </p:cNvPr>
@@ -18999,7 +18999,7 @@
           <p:cNvPr id="21" name="Content placeholder 47" descr="Click icon to add picture">
             <a:extLst>
               <a:ext uri="{FF2B5EF4-FFF2-40B4-BE49-F238E27FC236}">
-                <a16:creationId xmlns:a16="http://schemas.microsoft.com/office/drawing/2014/main" xmlns="" id="{DEE851A8-3FB7-B319-A053-BE08A45763C5}"/>
+                <a16:creationId xmlns="" xmlns:a16="http://schemas.microsoft.com/office/drawing/2014/main" id="{DEE851A8-3FB7-B319-A053-BE08A45763C5}"/>
               </a:ext>
             </a:extLst>
           </p:cNvPr>
@@ -19064,7 +19064,7 @@
           <p:cNvPr id="22" name="Content placeholder 47">
             <a:extLst>
               <a:ext uri="{FF2B5EF4-FFF2-40B4-BE49-F238E27FC236}">
-                <a16:creationId xmlns:a16="http://schemas.microsoft.com/office/drawing/2014/main" xmlns="" id="{5743B59B-3EAA-B249-07CE-9C9C5B0B6AB1}"/>
+                <a16:creationId xmlns="" xmlns:a16="http://schemas.microsoft.com/office/drawing/2014/main" id="{5743B59B-3EAA-B249-07CE-9C9C5B0B6AB1}"/>
               </a:ext>
             </a:extLst>
           </p:cNvPr>
@@ -19128,7 +19128,7 @@
           <p:cNvPr id="62" name="Content placeholder 47">
             <a:extLst>
               <a:ext uri="{FF2B5EF4-FFF2-40B4-BE49-F238E27FC236}">
-                <a16:creationId xmlns:a16="http://schemas.microsoft.com/office/drawing/2014/main" xmlns="" id="{0AC60B87-71AC-4AA8-9AE7-B3B427BACB12}"/>
+                <a16:creationId xmlns="" xmlns:a16="http://schemas.microsoft.com/office/drawing/2014/main" id="{0AC60B87-71AC-4AA8-9AE7-B3B427BACB12}"/>
               </a:ext>
             </a:extLst>
           </p:cNvPr>
@@ -19183,7 +19183,7 @@
           <p:cNvPr id="19" name="Content placeholder 47" descr="Click icon to add picture">
             <a:extLst>
               <a:ext uri="{FF2B5EF4-FFF2-40B4-BE49-F238E27FC236}">
-                <a16:creationId xmlns:a16="http://schemas.microsoft.com/office/drawing/2014/main" xmlns="" id="{110FBA5D-2CEB-4D44-16CA-0F24099B1401}"/>
+                <a16:creationId xmlns="" xmlns:a16="http://schemas.microsoft.com/office/drawing/2014/main" id="{110FBA5D-2CEB-4D44-16CA-0F24099B1401}"/>
               </a:ext>
             </a:extLst>
           </p:cNvPr>
@@ -19248,7 +19248,7 @@
           <p:cNvPr id="20" name="Content placeholder 47">
             <a:extLst>
               <a:ext uri="{FF2B5EF4-FFF2-40B4-BE49-F238E27FC236}">
-                <a16:creationId xmlns:a16="http://schemas.microsoft.com/office/drawing/2014/main" xmlns="" id="{2108E774-D145-FA07-58F1-7DB37A30A596}"/>
+                <a16:creationId xmlns="" xmlns:a16="http://schemas.microsoft.com/office/drawing/2014/main" id="{2108E774-D145-FA07-58F1-7DB37A30A596}"/>
               </a:ext>
             </a:extLst>
           </p:cNvPr>
@@ -19312,7 +19312,7 @@
           <p:cNvPr id="63" name="Content placeholder 47">
             <a:extLst>
               <a:ext uri="{FF2B5EF4-FFF2-40B4-BE49-F238E27FC236}">
-                <a16:creationId xmlns:a16="http://schemas.microsoft.com/office/drawing/2014/main" xmlns="" id="{05B25D7D-82BA-4FF5-9C92-4AD181847515}"/>
+                <a16:creationId xmlns="" xmlns:a16="http://schemas.microsoft.com/office/drawing/2014/main" id="{05B25D7D-82BA-4FF5-9C92-4AD181847515}"/>
               </a:ext>
             </a:extLst>
           </p:cNvPr>
@@ -19367,7 +19367,7 @@
           <p:cNvPr id="25" name="Content placeholder 47" descr="Click icon to add picture">
             <a:extLst>
               <a:ext uri="{FF2B5EF4-FFF2-40B4-BE49-F238E27FC236}">
-                <a16:creationId xmlns:a16="http://schemas.microsoft.com/office/drawing/2014/main" xmlns="" id="{A9C2624B-E6E6-C673-E8FF-F4BF909C3AC2}"/>
+                <a16:creationId xmlns="" xmlns:a16="http://schemas.microsoft.com/office/drawing/2014/main" id="{A9C2624B-E6E6-C673-E8FF-F4BF909C3AC2}"/>
               </a:ext>
             </a:extLst>
           </p:cNvPr>
@@ -19432,7 +19432,7 @@
           <p:cNvPr id="26" name="Content placeholder 47">
             <a:extLst>
               <a:ext uri="{FF2B5EF4-FFF2-40B4-BE49-F238E27FC236}">
-                <a16:creationId xmlns:a16="http://schemas.microsoft.com/office/drawing/2014/main" xmlns="" id="{A003837A-CCD7-3699-D86F-CB884CA4C675}"/>
+                <a16:creationId xmlns="" xmlns:a16="http://schemas.microsoft.com/office/drawing/2014/main" id="{A003837A-CCD7-3699-D86F-CB884CA4C675}"/>
               </a:ext>
             </a:extLst>
           </p:cNvPr>
@@ -19496,7 +19496,7 @@
           <p:cNvPr id="2" name="Footer Placeholder 1">
             <a:extLst>
               <a:ext uri="{FF2B5EF4-FFF2-40B4-BE49-F238E27FC236}">
-                <a16:creationId xmlns:a16="http://schemas.microsoft.com/office/drawing/2014/main" xmlns="" id="{89028585-56FF-7B3D-783D-D06964F7C099}"/>
+                <a16:creationId xmlns="" xmlns:a16="http://schemas.microsoft.com/office/drawing/2014/main" id="{89028585-56FF-7B3D-783D-D06964F7C099}"/>
               </a:ext>
             </a:extLst>
           </p:cNvPr>
@@ -19535,7 +19535,7 @@
           <p:cNvPr id="3" name="Slide Number Placeholder 2">
             <a:extLst>
               <a:ext uri="{FF2B5EF4-FFF2-40B4-BE49-F238E27FC236}">
-                <a16:creationId xmlns:a16="http://schemas.microsoft.com/office/drawing/2014/main" xmlns="" id="{7D090978-DDC9-0FA2-2CFD-733C8B854F3C}"/>
+                <a16:creationId xmlns="" xmlns:a16="http://schemas.microsoft.com/office/drawing/2014/main" id="{7D090978-DDC9-0FA2-2CFD-733C8B854F3C}"/>
               </a:ext>
             </a:extLst>
           </p:cNvPr>
@@ -19605,7 +19605,7 @@
           <p:cNvPr id="4" name="Title 3">
             <a:extLst>
               <a:ext uri="{FF2B5EF4-FFF2-40B4-BE49-F238E27FC236}">
-                <a16:creationId xmlns:a16="http://schemas.microsoft.com/office/drawing/2014/main" xmlns="" id="{AB92FA2A-46BA-2A19-C3CE-EC6985867B92}"/>
+                <a16:creationId xmlns="" xmlns:a16="http://schemas.microsoft.com/office/drawing/2014/main" id="{AB92FA2A-46BA-2A19-C3CE-EC6985867B92}"/>
               </a:ext>
             </a:extLst>
           </p:cNvPr>
@@ -19649,7 +19649,7 @@
           <p:cNvPr id="38" name="Content placeholder 47">
             <a:extLst>
               <a:ext uri="{FF2B5EF4-FFF2-40B4-BE49-F238E27FC236}">
-                <a16:creationId xmlns:a16="http://schemas.microsoft.com/office/drawing/2014/main" xmlns="" id="{BF9EDF7D-3BB1-43C0-92BB-091CCC520477}"/>
+                <a16:creationId xmlns="" xmlns:a16="http://schemas.microsoft.com/office/drawing/2014/main" id="{BF9EDF7D-3BB1-43C0-92BB-091CCC520477}"/>
               </a:ext>
             </a:extLst>
           </p:cNvPr>
@@ -19878,7 +19878,7 @@
           <p:cNvPr id="39" name="Content placeholder 47" descr="Click icon to add picture">
             <a:extLst>
               <a:ext uri="{FF2B5EF4-FFF2-40B4-BE49-F238E27FC236}">
-                <a16:creationId xmlns:a16="http://schemas.microsoft.com/office/drawing/2014/main" xmlns="" id="{15896C2C-7C25-4BC0-AF9B-DF590A2909AA}"/>
+                <a16:creationId xmlns="" xmlns:a16="http://schemas.microsoft.com/office/drawing/2014/main" id="{15896C2C-7C25-4BC0-AF9B-DF590A2909AA}"/>
               </a:ext>
             </a:extLst>
           </p:cNvPr>
@@ -19944,7 +19944,7 @@
           <p:cNvPr id="40" name="Content placeholder 47">
             <a:extLst>
               <a:ext uri="{FF2B5EF4-FFF2-40B4-BE49-F238E27FC236}">
-                <a16:creationId xmlns:a16="http://schemas.microsoft.com/office/drawing/2014/main" xmlns="" id="{CAC554EF-FF8F-4055-A716-E82F461413B7}"/>
+                <a16:creationId xmlns="" xmlns:a16="http://schemas.microsoft.com/office/drawing/2014/main" id="{CAC554EF-FF8F-4055-A716-E82F461413B7}"/>
               </a:ext>
             </a:extLst>
           </p:cNvPr>
@@ -20012,7 +20012,7 @@
           <p:cNvPr id="56" name="Content placeholder 47">
             <a:extLst>
               <a:ext uri="{FF2B5EF4-FFF2-40B4-BE49-F238E27FC236}">
-                <a16:creationId xmlns:a16="http://schemas.microsoft.com/office/drawing/2014/main" xmlns="" id="{4F0742C0-A9F2-4886-B17E-6915399483C3}"/>
+                <a16:creationId xmlns="" xmlns:a16="http://schemas.microsoft.com/office/drawing/2014/main" id="{4F0742C0-A9F2-4886-B17E-6915399483C3}"/>
               </a:ext>
             </a:extLst>
           </p:cNvPr>
@@ -20241,7 +20241,7 @@
           <p:cNvPr id="41" name="Content placeholder 47" descr="Click icon to add picture">
             <a:extLst>
               <a:ext uri="{FF2B5EF4-FFF2-40B4-BE49-F238E27FC236}">
-                <a16:creationId xmlns:a16="http://schemas.microsoft.com/office/drawing/2014/main" xmlns="" id="{CE3DC674-39AB-43B9-AC30-97A68D221596}"/>
+                <a16:creationId xmlns="" xmlns:a16="http://schemas.microsoft.com/office/drawing/2014/main" id="{CE3DC674-39AB-43B9-AC30-97A68D221596}"/>
               </a:ext>
             </a:extLst>
           </p:cNvPr>
@@ -20307,7 +20307,7 @@
           <p:cNvPr id="42" name="Content placeholder 47">
             <a:extLst>
               <a:ext uri="{FF2B5EF4-FFF2-40B4-BE49-F238E27FC236}">
-                <a16:creationId xmlns:a16="http://schemas.microsoft.com/office/drawing/2014/main" xmlns="" id="{F12189CA-0E22-41A5-91FD-03761860993D}"/>
+                <a16:creationId xmlns="" xmlns:a16="http://schemas.microsoft.com/office/drawing/2014/main" id="{F12189CA-0E22-41A5-91FD-03761860993D}"/>
               </a:ext>
             </a:extLst>
           </p:cNvPr>
@@ -20382,7 +20382,7 @@
           <p:cNvPr id="48" name="Content placeholder 47">
             <a:extLst>
               <a:ext uri="{FF2B5EF4-FFF2-40B4-BE49-F238E27FC236}">
-                <a16:creationId xmlns:a16="http://schemas.microsoft.com/office/drawing/2014/main" xmlns="" id="{A962C62E-F92F-445A-9243-8B433747A548}"/>
+                <a16:creationId xmlns="" xmlns:a16="http://schemas.microsoft.com/office/drawing/2014/main" id="{A962C62E-F92F-445A-9243-8B433747A548}"/>
               </a:ext>
             </a:extLst>
           </p:cNvPr>
@@ -20611,7 +20611,7 @@
           <p:cNvPr id="43" name="Content placeholder 47" descr="Click icon to add picture">
             <a:extLst>
               <a:ext uri="{FF2B5EF4-FFF2-40B4-BE49-F238E27FC236}">
-                <a16:creationId xmlns:a16="http://schemas.microsoft.com/office/drawing/2014/main" xmlns="" id="{DE6F9463-BB2D-43FC-BE8F-21D3F9A2539C}"/>
+                <a16:creationId xmlns="" xmlns:a16="http://schemas.microsoft.com/office/drawing/2014/main" id="{DE6F9463-BB2D-43FC-BE8F-21D3F9A2539C}"/>
               </a:ext>
             </a:extLst>
           </p:cNvPr>
@@ -20677,7 +20677,7 @@
           <p:cNvPr id="44" name="Content placeholder 47">
             <a:extLst>
               <a:ext uri="{FF2B5EF4-FFF2-40B4-BE49-F238E27FC236}">
-                <a16:creationId xmlns:a16="http://schemas.microsoft.com/office/drawing/2014/main" xmlns="" id="{7DF27694-08A2-4530-B763-5A9B9D4DC6E0}"/>
+                <a16:creationId xmlns="" xmlns:a16="http://schemas.microsoft.com/office/drawing/2014/main" id="{7DF27694-08A2-4530-B763-5A9B9D4DC6E0}"/>
               </a:ext>
             </a:extLst>
           </p:cNvPr>
@@ -20755,7 +20755,7 @@
           <p:cNvPr id="61" name="Content placeholder 47">
             <a:extLst>
               <a:ext uri="{FF2B5EF4-FFF2-40B4-BE49-F238E27FC236}">
-                <a16:creationId xmlns:a16="http://schemas.microsoft.com/office/drawing/2014/main" xmlns="" id="{2EA753B3-D0BB-4484-85D1-E28345D99F4C}"/>
+                <a16:creationId xmlns="" xmlns:a16="http://schemas.microsoft.com/office/drawing/2014/main" id="{2EA753B3-D0BB-4484-85D1-E28345D99F4C}"/>
               </a:ext>
             </a:extLst>
           </p:cNvPr>
@@ -20984,7 +20984,7 @@
           <p:cNvPr id="45" name="Content placeholder 47" descr="Click icon to add picture">
             <a:extLst>
               <a:ext uri="{FF2B5EF4-FFF2-40B4-BE49-F238E27FC236}">
-                <a16:creationId xmlns:a16="http://schemas.microsoft.com/office/drawing/2014/main" xmlns="" id="{20398AA4-3D68-487D-BE7C-9F1D45E3F5FF}"/>
+                <a16:creationId xmlns="" xmlns:a16="http://schemas.microsoft.com/office/drawing/2014/main" id="{20398AA4-3D68-487D-BE7C-9F1D45E3F5FF}"/>
               </a:ext>
             </a:extLst>
           </p:cNvPr>
@@ -21050,7 +21050,7 @@
           <p:cNvPr id="46" name="Content placeholder 47">
             <a:extLst>
               <a:ext uri="{FF2B5EF4-FFF2-40B4-BE49-F238E27FC236}">
-                <a16:creationId xmlns:a16="http://schemas.microsoft.com/office/drawing/2014/main" xmlns="" id="{6B623D7A-5E96-42AB-9B1F-14E445503187}"/>
+                <a16:creationId xmlns="" xmlns:a16="http://schemas.microsoft.com/office/drawing/2014/main" id="{6B623D7A-5E96-42AB-9B1F-14E445503187}"/>
               </a:ext>
             </a:extLst>
           </p:cNvPr>
@@ -21125,7 +21125,7 @@
           <p:cNvPr id="49" name="Content placeholder 47">
             <a:extLst>
               <a:ext uri="{FF2B5EF4-FFF2-40B4-BE49-F238E27FC236}">
-                <a16:creationId xmlns:a16="http://schemas.microsoft.com/office/drawing/2014/main" xmlns="" id="{EAA5B0EA-1F3B-4D8B-9BB9-F9037A393705}"/>
+                <a16:creationId xmlns="" xmlns:a16="http://schemas.microsoft.com/office/drawing/2014/main" id="{EAA5B0EA-1F3B-4D8B-9BB9-F9037A393705}"/>
               </a:ext>
             </a:extLst>
           </p:cNvPr>
@@ -21354,7 +21354,7 @@
           <p:cNvPr id="47" name="Content placeholder 47" descr="Click icon to add picture">
             <a:extLst>
               <a:ext uri="{FF2B5EF4-FFF2-40B4-BE49-F238E27FC236}">
-                <a16:creationId xmlns:a16="http://schemas.microsoft.com/office/drawing/2014/main" xmlns="" id="{2C93687D-1E42-4B01-9F16-9FA098CE1153}"/>
+                <a16:creationId xmlns="" xmlns:a16="http://schemas.microsoft.com/office/drawing/2014/main" id="{2C93687D-1E42-4B01-9F16-9FA098CE1153}"/>
               </a:ext>
             </a:extLst>
           </p:cNvPr>
@@ -21420,7 +21420,7 @@
           <p:cNvPr id="50" name="Content placeholder 47">
             <a:extLst>
               <a:ext uri="{FF2B5EF4-FFF2-40B4-BE49-F238E27FC236}">
-                <a16:creationId xmlns:a16="http://schemas.microsoft.com/office/drawing/2014/main" xmlns="" id="{7AB91474-458B-45F7-9773-FA375C2CF7FD}"/>
+                <a16:creationId xmlns="" xmlns:a16="http://schemas.microsoft.com/office/drawing/2014/main" id="{7AB91474-458B-45F7-9773-FA375C2CF7FD}"/>
               </a:ext>
             </a:extLst>
           </p:cNvPr>
@@ -21495,7 +21495,7 @@
           <p:cNvPr id="62" name="Content placeholder 47">
             <a:extLst>
               <a:ext uri="{FF2B5EF4-FFF2-40B4-BE49-F238E27FC236}">
-                <a16:creationId xmlns:a16="http://schemas.microsoft.com/office/drawing/2014/main" xmlns="" id="{52E587E7-A09A-4FB2-8774-8073E737F106}"/>
+                <a16:creationId xmlns="" xmlns:a16="http://schemas.microsoft.com/office/drawing/2014/main" id="{52E587E7-A09A-4FB2-8774-8073E737F106}"/>
               </a:ext>
             </a:extLst>
           </p:cNvPr>
@@ -21724,7 +21724,7 @@
           <p:cNvPr id="51" name="Content placeholder 47" descr="Click icon to add picture">
             <a:extLst>
               <a:ext uri="{FF2B5EF4-FFF2-40B4-BE49-F238E27FC236}">
-                <a16:creationId xmlns:a16="http://schemas.microsoft.com/office/drawing/2014/main" xmlns="" id="{FBF01DC7-D684-4484-B2AA-B50F7B1A00DA}"/>
+                <a16:creationId xmlns="" xmlns:a16="http://schemas.microsoft.com/office/drawing/2014/main" id="{FBF01DC7-D684-4484-B2AA-B50F7B1A00DA}"/>
               </a:ext>
             </a:extLst>
           </p:cNvPr>
@@ -21790,7 +21790,7 @@
           <p:cNvPr id="52" name="Content placeholder 47">
             <a:extLst>
               <a:ext uri="{FF2B5EF4-FFF2-40B4-BE49-F238E27FC236}">
-                <a16:creationId xmlns:a16="http://schemas.microsoft.com/office/drawing/2014/main" xmlns="" id="{6046C90F-8A25-4E70-9BC9-4496C6B94EBC}"/>
+                <a16:creationId xmlns="" xmlns:a16="http://schemas.microsoft.com/office/drawing/2014/main" id="{6046C90F-8A25-4E70-9BC9-4496C6B94EBC}"/>
               </a:ext>
             </a:extLst>
           </p:cNvPr>
@@ -21865,7 +21865,7 @@
           <p:cNvPr id="55" name="Content placeholder 47">
             <a:extLst>
               <a:ext uri="{FF2B5EF4-FFF2-40B4-BE49-F238E27FC236}">
-                <a16:creationId xmlns:a16="http://schemas.microsoft.com/office/drawing/2014/main" xmlns="" id="{D05B9A22-6B21-40BB-BBC1-9586C432A97B}"/>
+                <a16:creationId xmlns="" xmlns:a16="http://schemas.microsoft.com/office/drawing/2014/main" id="{D05B9A22-6B21-40BB-BBC1-9586C432A97B}"/>
               </a:ext>
             </a:extLst>
           </p:cNvPr>
@@ -22094,7 +22094,7 @@
           <p:cNvPr id="53" name="Content placeholder 47" descr="Click icon to add picture">
             <a:extLst>
               <a:ext uri="{FF2B5EF4-FFF2-40B4-BE49-F238E27FC236}">
-                <a16:creationId xmlns:a16="http://schemas.microsoft.com/office/drawing/2014/main" xmlns="" id="{F5E2B418-8D0E-4995-A3ED-4348C6F4A1AF}"/>
+                <a16:creationId xmlns="" xmlns:a16="http://schemas.microsoft.com/office/drawing/2014/main" id="{F5E2B418-8D0E-4995-A3ED-4348C6F4A1AF}"/>
               </a:ext>
             </a:extLst>
           </p:cNvPr>
@@ -22160,7 +22160,7 @@
           <p:cNvPr id="58" name="Content placeholder 47">
             <a:extLst>
               <a:ext uri="{FF2B5EF4-FFF2-40B4-BE49-F238E27FC236}">
-                <a16:creationId xmlns:a16="http://schemas.microsoft.com/office/drawing/2014/main" xmlns="" id="{90A2A6E4-4D11-4F28-9D68-BC28580EBC05}"/>
+                <a16:creationId xmlns="" xmlns:a16="http://schemas.microsoft.com/office/drawing/2014/main" id="{90A2A6E4-4D11-4F28-9D68-BC28580EBC05}"/>
               </a:ext>
             </a:extLst>
           </p:cNvPr>
@@ -22235,7 +22235,7 @@
           <p:cNvPr id="63" name="Content placeholder 47">
             <a:extLst>
               <a:ext uri="{FF2B5EF4-FFF2-40B4-BE49-F238E27FC236}">
-                <a16:creationId xmlns:a16="http://schemas.microsoft.com/office/drawing/2014/main" xmlns="" id="{A74DEBE4-2F74-4EB7-9501-8D37A3151B2A}"/>
+                <a16:creationId xmlns="" xmlns:a16="http://schemas.microsoft.com/office/drawing/2014/main" id="{A74DEBE4-2F74-4EB7-9501-8D37A3151B2A}"/>
               </a:ext>
             </a:extLst>
           </p:cNvPr>
@@ -22464,7 +22464,7 @@
           <p:cNvPr id="59" name="Content placeholder 47" descr="Click icon to add picture">
             <a:extLst>
               <a:ext uri="{FF2B5EF4-FFF2-40B4-BE49-F238E27FC236}">
-                <a16:creationId xmlns:a16="http://schemas.microsoft.com/office/drawing/2014/main" xmlns="" id="{070D69EE-1032-4604-B201-FD13AE846E9E}"/>
+                <a16:creationId xmlns="" xmlns:a16="http://schemas.microsoft.com/office/drawing/2014/main" id="{070D69EE-1032-4604-B201-FD13AE846E9E}"/>
               </a:ext>
             </a:extLst>
           </p:cNvPr>
@@ -22530,7 +22530,7 @@
           <p:cNvPr id="60" name="Content placeholder 47">
             <a:extLst>
               <a:ext uri="{FF2B5EF4-FFF2-40B4-BE49-F238E27FC236}">
-                <a16:creationId xmlns:a16="http://schemas.microsoft.com/office/drawing/2014/main" xmlns="" id="{B65187B8-CD7A-46B0-A851-E2456586E758}"/>
+                <a16:creationId xmlns="" xmlns:a16="http://schemas.microsoft.com/office/drawing/2014/main" id="{B65187B8-CD7A-46B0-A851-E2456586E758}"/>
               </a:ext>
             </a:extLst>
           </p:cNvPr>
@@ -22605,7 +22605,7 @@
           <p:cNvPr id="5" name="Footer Placeholder 4">
             <a:extLst>
               <a:ext uri="{FF2B5EF4-FFF2-40B4-BE49-F238E27FC236}">
-                <a16:creationId xmlns:a16="http://schemas.microsoft.com/office/drawing/2014/main" xmlns="" id="{B2964988-2386-5A15-B085-00BD5D58E53C}"/>
+                <a16:creationId xmlns="" xmlns:a16="http://schemas.microsoft.com/office/drawing/2014/main" id="{B2964988-2386-5A15-B085-00BD5D58E53C}"/>
               </a:ext>
             </a:extLst>
           </p:cNvPr>
@@ -22644,7 +22644,7 @@
           <p:cNvPr id="6" name="Slide Number Placeholder 5">
             <a:extLst>
               <a:ext uri="{FF2B5EF4-FFF2-40B4-BE49-F238E27FC236}">
-                <a16:creationId xmlns:a16="http://schemas.microsoft.com/office/drawing/2014/main" xmlns="" id="{062CC095-C330-BF75-42CE-50A46EAD82C5}"/>
+                <a16:creationId xmlns="" xmlns:a16="http://schemas.microsoft.com/office/drawing/2014/main" id="{062CC095-C330-BF75-42CE-50A46EAD82C5}"/>
               </a:ext>
             </a:extLst>
           </p:cNvPr>
@@ -22724,7 +22724,7 @@
           <p:cNvPr id="4" name="Content placeholder 47">
             <a:extLst>
               <a:ext uri="{FF2B5EF4-FFF2-40B4-BE49-F238E27FC236}">
-                <a16:creationId xmlns:a16="http://schemas.microsoft.com/office/drawing/2014/main" xmlns="" id="{28B6388A-37D2-4382-A7FC-9B9A76BDE84D}"/>
+                <a16:creationId xmlns="" xmlns:a16="http://schemas.microsoft.com/office/drawing/2014/main" id="{28B6388A-37D2-4382-A7FC-9B9A76BDE84D}"/>
               </a:ext>
             </a:extLst>
           </p:cNvPr>
@@ -22773,7 +22773,7 @@
           <p:cNvPr id="6" name="Text Placeholder 2">
             <a:extLst>
               <a:ext uri="{FF2B5EF4-FFF2-40B4-BE49-F238E27FC236}">
-                <a16:creationId xmlns:a16="http://schemas.microsoft.com/office/drawing/2014/main" xmlns="" id="{18CB8A3D-9A54-FD7C-F6A5-B33E6C891A4E}"/>
+                <a16:creationId xmlns="" xmlns:a16="http://schemas.microsoft.com/office/drawing/2014/main" id="{18CB8A3D-9A54-FD7C-F6A5-B33E6C891A4E}"/>
               </a:ext>
             </a:extLst>
           </p:cNvPr>
@@ -22840,7 +22840,7 @@
           <p:cNvPr id="5" name="Title Placeholder 4">
             <a:extLst>
               <a:ext uri="{FF2B5EF4-FFF2-40B4-BE49-F238E27FC236}">
-                <a16:creationId xmlns:a16="http://schemas.microsoft.com/office/drawing/2014/main" xmlns="" id="{F38A7675-78A2-B642-22AF-B98514C68B06}"/>
+                <a16:creationId xmlns="" xmlns:a16="http://schemas.microsoft.com/office/drawing/2014/main" id="{F38A7675-78A2-B642-22AF-B98514C68B06}"/>
               </a:ext>
             </a:extLst>
           </p:cNvPr>
@@ -22878,7 +22878,7 @@
           <p:cNvPr id="8" name="Footer Placeholder 7">
             <a:extLst>
               <a:ext uri="{FF2B5EF4-FFF2-40B4-BE49-F238E27FC236}">
-                <a16:creationId xmlns:a16="http://schemas.microsoft.com/office/drawing/2014/main" xmlns="" id="{C176125D-E69D-E2ED-1549-3D67DBD487E0}"/>
+                <a16:creationId xmlns="" xmlns:a16="http://schemas.microsoft.com/office/drawing/2014/main" id="{C176125D-E69D-E2ED-1549-3D67DBD487E0}"/>
               </a:ext>
             </a:extLst>
           </p:cNvPr>
@@ -23230,7 +23230,7 @@
   </p:txStyles>
   <p:extLst>
     <p:ext uri="{27BBF7A9-308A-43DC-89C8-2F10F3537804}">
-      <p15:sldGuideLst xmlns:p15="http://schemas.microsoft.com/office/powerpoint/2012/main" xmlns="">
+      <p15:sldGuideLst xmlns="" xmlns:p15="http://schemas.microsoft.com/office/powerpoint/2012/main">
         <p15:guide id="1" orient="horz" pos="4032" userDrawn="1">
           <p15:clr>
             <a:srgbClr val="F26B43"/>
@@ -23284,7 +23284,7 @@
           <p:cNvPr id="7" name="Title 6">
             <a:extLst>
               <a:ext uri="{FF2B5EF4-FFF2-40B4-BE49-F238E27FC236}">
-                <a16:creationId xmlns:a16="http://schemas.microsoft.com/office/drawing/2014/main" xmlns="" id="{93A3B864-5E85-99D2-93E5-5CA1F4F35DC7}"/>
+                <a16:creationId xmlns="" xmlns:a16="http://schemas.microsoft.com/office/drawing/2014/main" id="{93A3B864-5E85-99D2-93E5-5CA1F4F35DC7}"/>
               </a:ext>
             </a:extLst>
           </p:cNvPr>
@@ -23344,7 +23344,7 @@
           <p:cNvPr id="9" name="Text Placeholder 8">
             <a:extLst>
               <a:ext uri="{FF2B5EF4-FFF2-40B4-BE49-F238E27FC236}">
-                <a16:creationId xmlns:a16="http://schemas.microsoft.com/office/drawing/2014/main" xmlns="" id="{485E0237-B9A1-0B58-E0AA-05EF84817EB4}"/>
+                <a16:creationId xmlns="" xmlns:a16="http://schemas.microsoft.com/office/drawing/2014/main" id="{485E0237-B9A1-0B58-E0AA-05EF84817EB4}"/>
               </a:ext>
             </a:extLst>
           </p:cNvPr>
@@ -23468,10 +23468,10 @@
           <p:cNvPr id="10" name="Freeform: Shape 11">
             <a:extLst>
               <a:ext uri="{FF2B5EF4-FFF2-40B4-BE49-F238E27FC236}">
-                <a16:creationId xmlns:a16="http://schemas.microsoft.com/office/drawing/2014/main" xmlns="" id="{01A79B69-242C-3AEB-4A42-7A606A54C63A}"/>
+                <a16:creationId xmlns="" xmlns:a16="http://schemas.microsoft.com/office/drawing/2014/main" id="{01A79B69-242C-3AEB-4A42-7A606A54C63A}"/>
               </a:ext>
               <a:ext uri="{C183D7F6-B498-43B3-948B-1728B52AA6E4}">
-                <adec:decorative xmlns:adec="http://schemas.microsoft.com/office/drawing/2017/decorative" xmlns="" val="1"/>
+                <adec:decorative xmlns="" xmlns:adec="http://schemas.microsoft.com/office/drawing/2017/decorative" val="1"/>
               </a:ext>
             </a:extLst>
           </p:cNvPr>
@@ -23611,10 +23611,10 @@
           <p:cNvPr id="14" name="Freeform: Shape 11">
             <a:extLst>
               <a:ext uri="{FF2B5EF4-FFF2-40B4-BE49-F238E27FC236}">
-                <a16:creationId xmlns:a16="http://schemas.microsoft.com/office/drawing/2014/main" xmlns="" id="{E5D4DE6D-89C8-6FFF-287D-3F3BAD416CA1}"/>
+                <a16:creationId xmlns="" xmlns:a16="http://schemas.microsoft.com/office/drawing/2014/main" id="{E5D4DE6D-89C8-6FFF-287D-3F3BAD416CA1}"/>
               </a:ext>
               <a:ext uri="{C183D7F6-B498-43B3-948B-1728B52AA6E4}">
-                <adec:decorative xmlns:adec="http://schemas.microsoft.com/office/drawing/2017/decorative" xmlns="" val="1"/>
+                <adec:decorative xmlns="" xmlns:adec="http://schemas.microsoft.com/office/drawing/2017/decorative" val="1"/>
               </a:ext>
             </a:extLst>
           </p:cNvPr>
@@ -24916,7 +24916,7 @@
           <p:cNvPr id="5" name="Picture placeholder 19" descr="Layout of website design sketches on white paper">
             <a:extLst>
               <a:ext uri="{FF2B5EF4-FFF2-40B4-BE49-F238E27FC236}">
-                <a16:creationId xmlns:a16="http://schemas.microsoft.com/office/drawing/2014/main" xmlns="" id="{6D25AB81-B10A-BD11-E8FE-ECF8CB1B12F0}"/>
+                <a16:creationId xmlns="" xmlns:a16="http://schemas.microsoft.com/office/drawing/2014/main" id="{6D25AB81-B10A-BD11-E8FE-ECF8CB1B12F0}"/>
               </a:ext>
             </a:extLst>
           </p:cNvPr>
@@ -26679,14 +26679,14 @@
           <p:nvPr>
             <p:extLst>
               <p:ext uri="{D42A27DB-BD31-4B8C-83A1-F6EECF244321}">
-                <p14:modId xmlns:p14="http://schemas.microsoft.com/office/powerpoint/2010/main" val="4005089830"/>
+                <p14:modId xmlns:p14="http://schemas.microsoft.com/office/powerpoint/2010/main" val="748837308"/>
               </p:ext>
             </p:extLst>
           </p:nvPr>
         </p:nvGraphicFramePr>
         <p:xfrm>
           <a:off x="472514" y="824440"/>
-          <a:ext cx="10890252" cy="741680"/>
+          <a:ext cx="10890252" cy="1010920"/>
         </p:xfrm>
         <a:graphic>
           <a:graphicData uri="http://schemas.openxmlformats.org/drawingml/2006/table">
@@ -26820,14 +26820,37 @@
                     <a:bodyPr/>
                     <a:lstStyle/>
                     <a:p>
-                      <a:pPr algn="ctr"/>
+                      <a:pPr marL="0" marR="0" indent="0" algn="ctr" defTabSz="914400" rtl="0" eaLnBrk="1" fontAlgn="auto" latinLnBrk="0" hangingPunct="1">
+                        <a:lnSpc>
+                          <a:spcPct val="100000"/>
+                        </a:lnSpc>
+                        <a:spcBef>
+                          <a:spcPts val="0"/>
+                        </a:spcBef>
+                        <a:spcAft>
+                          <a:spcPts val="0"/>
+                        </a:spcAft>
+                        <a:buClrTx/>
+                        <a:buSzTx/>
+                        <a:buFontTx/>
+                        <a:buNone/>
+                        <a:tabLst/>
+                        <a:defRPr/>
+                      </a:pPr>
                       <a:r>
                         <a:rPr lang="en-US" dirty="0" smtClean="0">
                           <a:latin typeface="Times New Roman" pitchFamily="18" charset="0"/>
                           <a:cs typeface="Times New Roman" pitchFamily="18" charset="0"/>
                         </a:rPr>
-                        <a:t>113.56%</a:t>
+                        <a:t>338.42%</a:t>
                       </a:r>
+                      <a:endParaRPr lang="en-IN" dirty="0" smtClean="0">
+                        <a:latin typeface="Times New Roman" pitchFamily="18" charset="0"/>
+                        <a:cs typeface="Times New Roman" pitchFamily="18" charset="0"/>
+                      </a:endParaRPr>
+                    </a:p>
+                    <a:p>
+                      <a:pPr algn="ctr"/>
                       <a:endParaRPr lang="en-IN" dirty="0">
                         <a:latin typeface="Times New Roman" pitchFamily="18" charset="0"/>
                         <a:cs typeface="Times New Roman" pitchFamily="18" charset="0"/>
@@ -26843,11 +26866,11 @@
                     <a:p>
                       <a:pPr algn="ctr"/>
                       <a:r>
-                        <a:rPr lang="en-US" dirty="0" smtClean="0">
+                        <a:rPr lang="en-US" smtClean="0">
                           <a:latin typeface="Times New Roman" pitchFamily="18" charset="0"/>
                           <a:cs typeface="Times New Roman" pitchFamily="18" charset="0"/>
                         </a:rPr>
-                        <a:t>338.42%</a:t>
+                        <a:t>113.56% </a:t>
                       </a:r>
                       <a:endParaRPr lang="en-IN" dirty="0">
                         <a:latin typeface="Times New Roman" pitchFamily="18" charset="0"/>
@@ -28426,7 +28449,7 @@
           <p:cNvPr id="5" name="Picture placeholder 19" descr="Layout of website design sketches on white paper">
             <a:extLst>
               <a:ext uri="{FF2B5EF4-FFF2-40B4-BE49-F238E27FC236}">
-                <a16:creationId xmlns:a16="http://schemas.microsoft.com/office/drawing/2014/main" xmlns="" id="{6D25AB81-B10A-BD11-E8FE-ECF8CB1B12F0}"/>
+                <a16:creationId xmlns="" xmlns:a16="http://schemas.microsoft.com/office/drawing/2014/main" id="{6D25AB81-B10A-BD11-E8FE-ECF8CB1B12F0}"/>
               </a:ext>
             </a:extLst>
           </p:cNvPr>
@@ -30752,20 +30775,7 @@
                 <a:latin typeface="Times New Roman" pitchFamily="18" charset="0"/>
                 <a:cs typeface="Times New Roman" pitchFamily="18" charset="0"/>
               </a:rPr>
-              <a:t> </a:t>
-            </a:r>
-            <a:r>
-              <a:rPr lang="en-US" dirty="0" smtClean="0">
-                <a:solidFill>
-                  <a:schemeClr val="accent2">
-                    <a:lumMod val="60000"/>
-                    <a:lumOff val="40000"/>
-                  </a:schemeClr>
-                </a:solidFill>
-                <a:latin typeface="Times New Roman" pitchFamily="18" charset="0"/>
-                <a:cs typeface="Times New Roman" pitchFamily="18" charset="0"/>
-              </a:rPr>
-              <a:t>Performance</a:t>
+              <a:t> Performance</a:t>
             </a:r>
             <a:endParaRPr lang="en-IN" dirty="0">
               <a:solidFill>
@@ -30785,7 +30795,7 @@
           <p:cNvPr id="5" name="Picture placeholder 19" descr="Layout of website design sketches on white paper">
             <a:extLst>
               <a:ext uri="{FF2B5EF4-FFF2-40B4-BE49-F238E27FC236}">
-                <a16:creationId xmlns:a16="http://schemas.microsoft.com/office/drawing/2014/main" xmlns="" id="{6D25AB81-B10A-BD11-E8FE-ECF8CB1B12F0}"/>
+                <a16:creationId xmlns="" xmlns:a16="http://schemas.microsoft.com/office/drawing/2014/main" id="{6D25AB81-B10A-BD11-E8FE-ECF8CB1B12F0}"/>
               </a:ext>
             </a:extLst>
           </p:cNvPr>
@@ -32339,7 +32349,7 @@
           <p:cNvPr id="19" name="Title 18">
             <a:extLst>
               <a:ext uri="{FF2B5EF4-FFF2-40B4-BE49-F238E27FC236}">
-                <a16:creationId xmlns:a16="http://schemas.microsoft.com/office/drawing/2014/main" xmlns="" id="{5DF64211-DCD8-B458-DBD2-EBDA7AE3396F}"/>
+                <a16:creationId xmlns="" xmlns:a16="http://schemas.microsoft.com/office/drawing/2014/main" id="{5DF64211-DCD8-B458-DBD2-EBDA7AE3396F}"/>
               </a:ext>
             </a:extLst>
           </p:cNvPr>
@@ -32368,7 +32378,7 @@
           <p:cNvPr id="16" name="Text Placeholder 15">
             <a:extLst>
               <a:ext uri="{FF2B5EF4-FFF2-40B4-BE49-F238E27FC236}">
-                <a16:creationId xmlns:a16="http://schemas.microsoft.com/office/drawing/2014/main" xmlns="" id="{8FEA3BB9-F064-CFBE-C0BE-BB7A22A4DCFC}"/>
+                <a16:creationId xmlns="" xmlns:a16="http://schemas.microsoft.com/office/drawing/2014/main" id="{8FEA3BB9-F064-CFBE-C0BE-BB7A22A4DCFC}"/>
               </a:ext>
             </a:extLst>
           </p:cNvPr>
@@ -32399,7 +32409,7 @@
           <p:cNvPr id="9" name="Text Placeholder 8">
             <a:extLst>
               <a:ext uri="{FF2B5EF4-FFF2-40B4-BE49-F238E27FC236}">
-                <a16:creationId xmlns:a16="http://schemas.microsoft.com/office/drawing/2014/main" xmlns="" id="{78024C77-A2F8-1ABA-5412-E6BB88B5FA1B}"/>
+                <a16:creationId xmlns="" xmlns:a16="http://schemas.microsoft.com/office/drawing/2014/main" id="{78024C77-A2F8-1ABA-5412-E6BB88B5FA1B}"/>
               </a:ext>
             </a:extLst>
           </p:cNvPr>
@@ -32434,7 +32444,7 @@
           <p:cNvPr id="18" name="Text Placeholder 17">
             <a:extLst>
               <a:ext uri="{FF2B5EF4-FFF2-40B4-BE49-F238E27FC236}">
-                <a16:creationId xmlns:a16="http://schemas.microsoft.com/office/drawing/2014/main" xmlns="" id="{241202DB-E499-EB19-8A48-A3301DA59ED7}"/>
+                <a16:creationId xmlns="" xmlns:a16="http://schemas.microsoft.com/office/drawing/2014/main" id="{241202DB-E499-EB19-8A48-A3301DA59ED7}"/>
               </a:ext>
             </a:extLst>
           </p:cNvPr>
@@ -32469,7 +32479,7 @@
           <p:cNvPr id="22" name="Text Placeholder 21">
             <a:extLst>
               <a:ext uri="{FF2B5EF4-FFF2-40B4-BE49-F238E27FC236}">
-                <a16:creationId xmlns:a16="http://schemas.microsoft.com/office/drawing/2014/main" xmlns="" id="{D5402852-C1AD-6A4E-DAA7-0AE582A742FD}"/>
+                <a16:creationId xmlns="" xmlns:a16="http://schemas.microsoft.com/office/drawing/2014/main" id="{D5402852-C1AD-6A4E-DAA7-0AE582A742FD}"/>
               </a:ext>
             </a:extLst>
           </p:cNvPr>
@@ -32504,7 +32514,7 @@
           <p:cNvPr id="24" name="Text Placeholder 23">
             <a:extLst>
               <a:ext uri="{FF2B5EF4-FFF2-40B4-BE49-F238E27FC236}">
-                <a16:creationId xmlns:a16="http://schemas.microsoft.com/office/drawing/2014/main" xmlns="" id="{ABF1D337-2A3C-A0FB-A6CD-5E4B9D6DFD91}"/>
+                <a16:creationId xmlns="" xmlns:a16="http://schemas.microsoft.com/office/drawing/2014/main" id="{ABF1D337-2A3C-A0FB-A6CD-5E4B9D6DFD91}"/>
               </a:ext>
             </a:extLst>
           </p:cNvPr>
@@ -32539,7 +32549,7 @@
           <p:cNvPr id="10" name="Slide Number Placeholder 9">
             <a:extLst>
               <a:ext uri="{FF2B5EF4-FFF2-40B4-BE49-F238E27FC236}">
-                <a16:creationId xmlns:a16="http://schemas.microsoft.com/office/drawing/2014/main" xmlns="" id="{CBE681AB-301C-4DC8-7FBD-FAA2CC6606AE}"/>
+                <a16:creationId xmlns="" xmlns:a16="http://schemas.microsoft.com/office/drawing/2014/main" id="{CBE681AB-301C-4DC8-7FBD-FAA2CC6606AE}"/>
               </a:ext>
             </a:extLst>
           </p:cNvPr>
@@ -32569,7 +32579,7 @@
           <p:cNvPr id="21" name="Footer Placeholder 19">
             <a:extLst>
               <a:ext uri="{FF2B5EF4-FFF2-40B4-BE49-F238E27FC236}">
-                <a16:creationId xmlns:a16="http://schemas.microsoft.com/office/drawing/2014/main" xmlns="" id="{A6E539FA-B60E-5585-524F-1BFA8C5B3E2F}"/>
+                <a16:creationId xmlns="" xmlns:a16="http://schemas.microsoft.com/office/drawing/2014/main" id="{A6E539FA-B60E-5585-524F-1BFA8C5B3E2F}"/>
               </a:ext>
             </a:extLst>
           </p:cNvPr>
@@ -37056,7 +37066,7 @@
           <p:cNvPr id="5" name="Picture placeholder 19" descr="Layout of website design sketches on white paper">
             <a:extLst>
               <a:ext uri="{FF2B5EF4-FFF2-40B4-BE49-F238E27FC236}">
-                <a16:creationId xmlns:a16="http://schemas.microsoft.com/office/drawing/2014/main" xmlns="" id="{6D25AB81-B10A-BD11-E8FE-ECF8CB1B12F0}"/>
+                <a16:creationId xmlns="" xmlns:a16="http://schemas.microsoft.com/office/drawing/2014/main" id="{6D25AB81-B10A-BD11-E8FE-ECF8CB1B12F0}"/>
               </a:ext>
             </a:extLst>
           </p:cNvPr>
@@ -39161,7 +39171,7 @@
           <p:cNvPr id="5" name="Picture placeholder 19" descr="Layout of website design sketches on white paper">
             <a:extLst>
               <a:ext uri="{FF2B5EF4-FFF2-40B4-BE49-F238E27FC236}">
-                <a16:creationId xmlns:a16="http://schemas.microsoft.com/office/drawing/2014/main" xmlns="" id="{6D25AB81-B10A-BD11-E8FE-ECF8CB1B12F0}"/>
+                <a16:creationId xmlns="" xmlns:a16="http://schemas.microsoft.com/office/drawing/2014/main" id="{6D25AB81-B10A-BD11-E8FE-ECF8CB1B12F0}"/>
               </a:ext>
             </a:extLst>
           </p:cNvPr>
@@ -39250,7 +39260,7 @@
           <p:cNvPr id="29" name="Text Placeholder 28">
             <a:extLst>
               <a:ext uri="{FF2B5EF4-FFF2-40B4-BE49-F238E27FC236}">
-                <a16:creationId xmlns:a16="http://schemas.microsoft.com/office/drawing/2014/main" xmlns="" id="{52FD53DB-CD39-2575-F8BA-63488E81091E}"/>
+                <a16:creationId xmlns="" xmlns:a16="http://schemas.microsoft.com/office/drawing/2014/main" id="{52FD53DB-CD39-2575-F8BA-63488E81091E}"/>
               </a:ext>
             </a:extLst>
           </p:cNvPr>
@@ -39705,7 +39715,7 @@
           <p:cNvPr id="6" name="Title 5">
             <a:extLst>
               <a:ext uri="{FF2B5EF4-FFF2-40B4-BE49-F238E27FC236}">
-                <a16:creationId xmlns:a16="http://schemas.microsoft.com/office/drawing/2014/main" xmlns="" id="{4EFA9173-F892-5C7D-99AF-4C5FFB1532B4}"/>
+                <a16:creationId xmlns="" xmlns:a16="http://schemas.microsoft.com/office/drawing/2014/main" id="{4EFA9173-F892-5C7D-99AF-4C5FFB1532B4}"/>
               </a:ext>
             </a:extLst>
           </p:cNvPr>
@@ -39759,7 +39769,7 @@
           <p:cNvPr id="5" name="Slide Number Placeholder 4">
             <a:extLst>
               <a:ext uri="{FF2B5EF4-FFF2-40B4-BE49-F238E27FC236}">
-                <a16:creationId xmlns:a16="http://schemas.microsoft.com/office/drawing/2014/main" xmlns="" id="{02F30A6A-65C9-04FE-77CF-C95CC406DBDB}"/>
+                <a16:creationId xmlns="" xmlns:a16="http://schemas.microsoft.com/office/drawing/2014/main" id="{02F30A6A-65C9-04FE-77CF-C95CC406DBDB}"/>
               </a:ext>
             </a:extLst>
           </p:cNvPr>
@@ -39826,7 +39836,7 @@
           <p:cNvPr id="16" name="Picture Placeholder 15" descr="People in an office discussing work over a laptop&#10;">
             <a:extLst>
               <a:ext uri="{FF2B5EF4-FFF2-40B4-BE49-F238E27FC236}">
-                <a16:creationId xmlns:a16="http://schemas.microsoft.com/office/drawing/2014/main" xmlns="" id="{BCD5762E-DD49-42B3-9CA8-46A4AD7193E2}"/>
+                <a16:creationId xmlns="" xmlns:a16="http://schemas.microsoft.com/office/drawing/2014/main" id="{BCD5762E-DD49-42B3-9CA8-46A4AD7193E2}"/>
               </a:ext>
             </a:extLst>
           </p:cNvPr>
@@ -39855,7 +39865,7 @@
           <p:cNvPr id="14" name="Picture Placeholder 13" descr="People working in office">
             <a:extLst>
               <a:ext uri="{FF2B5EF4-FFF2-40B4-BE49-F238E27FC236}">
-                <a16:creationId xmlns:a16="http://schemas.microsoft.com/office/drawing/2014/main" xmlns="" id="{496155F4-61B2-441D-9F16-788866450DA2}"/>
+                <a16:creationId xmlns="" xmlns:a16="http://schemas.microsoft.com/office/drawing/2014/main" id="{496155F4-61B2-441D-9F16-788866450DA2}"/>
               </a:ext>
             </a:extLst>
           </p:cNvPr>
@@ -39884,7 +39894,7 @@
           <p:cNvPr id="28" name="Picture Placeholder 27" descr="Businesswoman reviewing sticky notes on a wall">
             <a:extLst>
               <a:ext uri="{FF2B5EF4-FFF2-40B4-BE49-F238E27FC236}">
-                <a16:creationId xmlns:a16="http://schemas.microsoft.com/office/drawing/2014/main" xmlns="" id="{B746A775-E65C-70F6-9DB4-E51F7F2DAECE}"/>
+                <a16:creationId xmlns="" xmlns:a16="http://schemas.microsoft.com/office/drawing/2014/main" id="{B746A775-E65C-70F6-9DB4-E51F7F2DAECE}"/>
               </a:ext>
             </a:extLst>
           </p:cNvPr>
@@ -39915,7 +39925,7 @@
           <p:cNvPr id="18" name="Picture Placeholder 17" descr="Layout of website design sketches on white paper">
             <a:extLst>
               <a:ext uri="{FF2B5EF4-FFF2-40B4-BE49-F238E27FC236}">
-                <a16:creationId xmlns:a16="http://schemas.microsoft.com/office/drawing/2014/main" xmlns="" id="{1051CD21-1408-4D13-BF0B-0D7013AD2D0C}"/>
+                <a16:creationId xmlns="" xmlns:a16="http://schemas.microsoft.com/office/drawing/2014/main" id="{1051CD21-1408-4D13-BF0B-0D7013AD2D0C}"/>
               </a:ext>
             </a:extLst>
           </p:cNvPr>
@@ -39944,7 +39954,7 @@
           <p:cNvPr id="25" name="Text Placeholder 24">
             <a:extLst>
               <a:ext uri="{FF2B5EF4-FFF2-40B4-BE49-F238E27FC236}">
-                <a16:creationId xmlns:a16="http://schemas.microsoft.com/office/drawing/2014/main" xmlns="" id="{B993E4D5-4AD0-4740-096D-6822944C8FF6}"/>
+                <a16:creationId xmlns="" xmlns:a16="http://schemas.microsoft.com/office/drawing/2014/main" id="{B993E4D5-4AD0-4740-096D-6822944C8FF6}"/>
               </a:ext>
             </a:extLst>
           </p:cNvPr>
@@ -39997,7 +40007,7 @@
           <p:cNvPr id="24" name="Title 23">
             <a:extLst>
               <a:ext uri="{FF2B5EF4-FFF2-40B4-BE49-F238E27FC236}">
-                <a16:creationId xmlns:a16="http://schemas.microsoft.com/office/drawing/2014/main" xmlns="" id="{AD2C8D04-263D-9589-1CFF-A5968D7C33D7}"/>
+                <a16:creationId xmlns="" xmlns:a16="http://schemas.microsoft.com/office/drawing/2014/main" id="{AD2C8D04-263D-9589-1CFF-A5968D7C33D7}"/>
               </a:ext>
             </a:extLst>
           </p:cNvPr>
@@ -40062,7 +40072,7 @@
           <p:cNvPr id="5" name="Title 4">
             <a:extLst>
               <a:ext uri="{FF2B5EF4-FFF2-40B4-BE49-F238E27FC236}">
-                <a16:creationId xmlns:a16="http://schemas.microsoft.com/office/drawing/2014/main" xmlns="" id="{81D18537-D028-9E9C-FB87-93F24955DFC7}"/>
+                <a16:creationId xmlns="" xmlns:a16="http://schemas.microsoft.com/office/drawing/2014/main" id="{81D18537-D028-9E9C-FB87-93F24955DFC7}"/>
               </a:ext>
             </a:extLst>
           </p:cNvPr>
@@ -40091,7 +40101,7 @@
           <p:cNvPr id="20" name="Text Placeholder 19">
             <a:extLst>
               <a:ext uri="{FF2B5EF4-FFF2-40B4-BE49-F238E27FC236}">
-                <a16:creationId xmlns:a16="http://schemas.microsoft.com/office/drawing/2014/main" xmlns="" id="{CC0093B1-77CC-1E61-FB22-E136F94EABD2}"/>
+                <a16:creationId xmlns="" xmlns:a16="http://schemas.microsoft.com/office/drawing/2014/main" id="{CC0093B1-77CC-1E61-FB22-E136F94EABD2}"/>
               </a:ext>
             </a:extLst>
           </p:cNvPr>
@@ -40218,7 +40228,7 @@
           <p:cNvPr id="4" name="Footer Placeholder 3">
             <a:extLst>
               <a:ext uri="{FF2B5EF4-FFF2-40B4-BE49-F238E27FC236}">
-                <a16:creationId xmlns:a16="http://schemas.microsoft.com/office/drawing/2014/main" xmlns="" id="{0A01EC1F-42C9-66C4-9D49-F6AF79D5BE91}"/>
+                <a16:creationId xmlns="" xmlns:a16="http://schemas.microsoft.com/office/drawing/2014/main" id="{0A01EC1F-42C9-66C4-9D49-F6AF79D5BE91}"/>
               </a:ext>
             </a:extLst>
           </p:cNvPr>
@@ -40254,7 +40264,7 @@
           <p:cNvPr id="7" name="Slide Number Placeholder 6">
             <a:extLst>
               <a:ext uri="{FF2B5EF4-FFF2-40B4-BE49-F238E27FC236}">
-                <a16:creationId xmlns:a16="http://schemas.microsoft.com/office/drawing/2014/main" xmlns="" id="{7D6767F8-4670-E83D-85F4-1446B8B9D466}"/>
+                <a16:creationId xmlns="" xmlns:a16="http://schemas.microsoft.com/office/drawing/2014/main" id="{7D6767F8-4670-E83D-85F4-1446B8B9D466}"/>
               </a:ext>
             </a:extLst>
           </p:cNvPr>
@@ -40388,7 +40398,7 @@
           <p:cNvPr id="46" name="Title 45">
             <a:extLst>
               <a:ext uri="{FF2B5EF4-FFF2-40B4-BE49-F238E27FC236}">
-                <a16:creationId xmlns:a16="http://schemas.microsoft.com/office/drawing/2014/main" xmlns="" id="{4D761329-3BEF-0173-1328-A4DB26572AFF}"/>
+                <a16:creationId xmlns="" xmlns:a16="http://schemas.microsoft.com/office/drawing/2014/main" id="{4D761329-3BEF-0173-1328-A4DB26572AFF}"/>
               </a:ext>
             </a:extLst>
           </p:cNvPr>
@@ -40426,7 +40436,7 @@
           <p:cNvPr id="19" name="Text Placeholder 18">
             <a:extLst>
               <a:ext uri="{FF2B5EF4-FFF2-40B4-BE49-F238E27FC236}">
-                <a16:creationId xmlns:a16="http://schemas.microsoft.com/office/drawing/2014/main" xmlns="" id="{FC101F03-8617-09D4-619B-F38E2F0A4F15}"/>
+                <a16:creationId xmlns="" xmlns:a16="http://schemas.microsoft.com/office/drawing/2014/main" id="{FC101F03-8617-09D4-619B-F38E2F0A4F15}"/>
               </a:ext>
             </a:extLst>
           </p:cNvPr>
@@ -40494,7 +40504,7 @@
           <p:cNvPr id="48" name="Picture placeholder 19" descr="Layout of website design sketches on white paper">
             <a:extLst>
               <a:ext uri="{FF2B5EF4-FFF2-40B4-BE49-F238E27FC236}">
-                <a16:creationId xmlns:a16="http://schemas.microsoft.com/office/drawing/2014/main" xmlns="" id="{6D25AB81-B10A-BD11-E8FE-ECF8CB1B12F0}"/>
+                <a16:creationId xmlns="" xmlns:a16="http://schemas.microsoft.com/office/drawing/2014/main" id="{6D25AB81-B10A-BD11-E8FE-ECF8CB1B12F0}"/>
               </a:ext>
             </a:extLst>
           </p:cNvPr>
@@ -40579,7 +40589,7 @@
           <p:cNvPr id="3" name="Title 2">
             <a:extLst>
               <a:ext uri="{FF2B5EF4-FFF2-40B4-BE49-F238E27FC236}">
-                <a16:creationId xmlns:a16="http://schemas.microsoft.com/office/drawing/2014/main" xmlns="" id="{4379BBF1-9BC2-6DCE-0154-8873469878A5}"/>
+                <a16:creationId xmlns="" xmlns:a16="http://schemas.microsoft.com/office/drawing/2014/main" id="{4379BBF1-9BC2-6DCE-0154-8873469878A5}"/>
               </a:ext>
             </a:extLst>
           </p:cNvPr>
@@ -40917,7 +40927,7 @@
           <p:cNvPr id="5" name="Footer Placeholder 4">
             <a:extLst>
               <a:ext uri="{FF2B5EF4-FFF2-40B4-BE49-F238E27FC236}">
-                <a16:creationId xmlns:a16="http://schemas.microsoft.com/office/drawing/2014/main" xmlns="" id="{6D18E7F7-120D-E343-B41C-E8DF89FC0F49}"/>
+                <a16:creationId xmlns="" xmlns:a16="http://schemas.microsoft.com/office/drawing/2014/main" id="{6D18E7F7-120D-E343-B41C-E8DF89FC0F49}"/>
               </a:ext>
             </a:extLst>
           </p:cNvPr>
@@ -41028,7 +41038,7 @@
           <p:cNvPr id="7" name="Slide Number Placeholder 6">
             <a:extLst>
               <a:ext uri="{FF2B5EF4-FFF2-40B4-BE49-F238E27FC236}">
-                <a16:creationId xmlns:a16="http://schemas.microsoft.com/office/drawing/2014/main" xmlns="" id="{8EA25C86-7BE3-4BC6-C0B8-7F7D7C3EC286}"/>
+                <a16:creationId xmlns="" xmlns:a16="http://schemas.microsoft.com/office/drawing/2014/main" id="{8EA25C86-7BE3-4BC6-C0B8-7F7D7C3EC286}"/>
               </a:ext>
             </a:extLst>
           </p:cNvPr>
@@ -41184,7 +41194,7 @@
           <p:cNvPr id="5" name="Picture placeholder 19" descr="Layout of website design sketches on white paper">
             <a:extLst>
               <a:ext uri="{FF2B5EF4-FFF2-40B4-BE49-F238E27FC236}">
-                <a16:creationId xmlns:a16="http://schemas.microsoft.com/office/drawing/2014/main" xmlns="" id="{6D25AB81-B10A-BD11-E8FE-ECF8CB1B12F0}"/>
+                <a16:creationId xmlns="" xmlns:a16="http://schemas.microsoft.com/office/drawing/2014/main" id="{6D25AB81-B10A-BD11-E8FE-ECF8CB1B12F0}"/>
               </a:ext>
             </a:extLst>
           </p:cNvPr>
@@ -42791,7 +42801,7 @@
   <a:extraClrSchemeLst/>
   <a:extLst>
     <a:ext uri="{05A4C25C-085E-4340-85A3-A5531E510DB2}">
-      <thm15:themeFamily xmlns:thm15="http://schemas.microsoft.com/office/thememl/2012/main" xmlns="" name="Hexagon presentation light - tm89027928_Win22_jx_v15" id="{E4F720B1-AC3A-441F-B00A-6ECF71D2AB0C}" vid="{71933BEE-9DD7-4D62-B50F-A654080E9C93}"/>
+      <thm15:themeFamily xmlns="" xmlns:thm15="http://schemas.microsoft.com/office/thememl/2012/main" name="Hexagon presentation light - tm89027928_Win22_jx_v15" id="{E4F720B1-AC3A-441F-B00A-6ECF71D2AB0C}" vid="{71933BEE-9DD7-4D62-B50F-A654080E9C93}"/>
     </a:ext>
   </a:extLst>
 </a:theme>
@@ -43086,7 +43096,7 @@
   <a:extraClrSchemeLst/>
   <a:extLst>
     <a:ext uri="{05A4C25C-085E-4340-85A3-A5531E510DB2}">
-      <thm15:themeFamily xmlns:thm15="http://schemas.microsoft.com/office/thememl/2012/main" xmlns="" name="Office Theme" id="{62F939B6-93AF-4DB8-9C6B-D6C7DFDC589F}" vid="{4A3C46E8-61CC-4603-A589-7422A47A8E4A}"/>
+      <thm15:themeFamily xmlns="" xmlns:thm15="http://schemas.microsoft.com/office/thememl/2012/main" name="Office Theme" id="{62F939B6-93AF-4DB8-9C6B-D6C7DFDC589F}" vid="{4A3C46E8-61CC-4603-A589-7422A47A8E4A}"/>
     </a:ext>
   </a:extLst>
 </a:theme>
@@ -43381,42 +43391,13 @@
   <a:extraClrSchemeLst/>
   <a:extLst>
     <a:ext uri="{05A4C25C-085E-4340-85A3-A5531E510DB2}">
-      <thm15:themeFamily xmlns:thm15="http://schemas.microsoft.com/office/thememl/2012/main" xmlns="" name="Office Theme" id="{62F939B6-93AF-4DB8-9C6B-D6C7DFDC589F}" vid="{4A3C46E8-61CC-4603-A589-7422A47A8E4A}"/>
+      <thm15:themeFamily xmlns="" xmlns:thm15="http://schemas.microsoft.com/office/thememl/2012/main" name="Office Theme" id="{62F939B6-93AF-4DB8-9C6B-D6C7DFDC589F}" vid="{4A3C46E8-61CC-4603-A589-7422A47A8E4A}"/>
     </a:ext>
   </a:extLst>
 </a:theme>
 </file>
 
 <file path=customXml/item1.xml><?xml version="1.0" encoding="utf-8"?>
-<p:properties xmlns:p="http://schemas.microsoft.com/office/2006/metadata/properties" xmlns:xsi="http://www.w3.org/2001/XMLSchema-instance" xmlns:pc="http://schemas.microsoft.com/office/infopath/2007/PartnerControls">
-  <documentManagement>
-    <_ip_UnifiedCompliancePolicyUIAction xmlns="http://schemas.microsoft.com/sharepoint/v3" xsi:nil="true"/>
-    <Image xmlns="71af3243-3dd4-4a8d-8c0d-dd76da1f02a5">
-      <Url xsi:nil="true"/>
-      <Description xsi:nil="true"/>
-    </Image>
-    <Status xmlns="71af3243-3dd4-4a8d-8c0d-dd76da1f02a5">Not started</Status>
-    <Background xmlns="71af3243-3dd4-4a8d-8c0d-dd76da1f02a5">false</Background>
-    <_ip_UnifiedCompliancePolicyProperties xmlns="http://schemas.microsoft.com/sharepoint/v3" xsi:nil="true"/>
-    <ImageTagsTaxHTField xmlns="71af3243-3dd4-4a8d-8c0d-dd76da1f02a5">
-      <Terms xmlns="http://schemas.microsoft.com/office/infopath/2007/PartnerControls"/>
-    </ImageTagsTaxHTField>
-    <TaxCatchAll xmlns="230e9df3-be65-4c73-a93b-d1236ebd677e" xsi:nil="true"/>
-    <MediaServiceKeyPoints xmlns="71af3243-3dd4-4a8d-8c0d-dd76da1f02a5" xsi:nil="true"/>
-  </documentManagement>
-</p:properties>
-</file>
-
-<file path=customXml/item2.xml><?xml version="1.0" encoding="utf-8"?>
-<?mso-contentType ?>
-<FormTemplates xmlns="http://schemas.microsoft.com/sharepoint/v3/contenttype/forms">
-  <Display>DocumentLibraryForm</Display>
-  <Edit>DocumentLibraryForm</Edit>
-  <New>DocumentLibraryForm</New>
-</FormTemplates>
-</file>
-
-<file path=customXml/item3.xml><?xml version="1.0" encoding="utf-8"?>
 <ct:contentTypeSchema xmlns:ct="http://schemas.microsoft.com/office/2006/metadata/contentType" xmlns:ma="http://schemas.microsoft.com/office/2006/metadata/properties/metaAttributes" ct:_="" ma:_="" ma:contentTypeName="Document" ma:contentTypeID="0x01010079F111ED35F8CC479449609E8A0923A6" ma:contentTypeVersion="28" ma:contentTypeDescription="Create a new document." ma:contentTypeScope="" ma:versionID="60f5a4f2d2b0abadcf532d48ebf9cb71">
   <xsd:schema xmlns:xsd="http://www.w3.org/2001/XMLSchema" xmlns:xs="http://www.w3.org/2001/XMLSchema" xmlns:p="http://schemas.microsoft.com/office/2006/metadata/properties" xmlns:ns1="http://schemas.microsoft.com/sharepoint/v3" xmlns:ns2="71af3243-3dd4-4a8d-8c0d-dd76da1f02a5" xmlns:ns3="16c05727-aa75-4e4a-9b5f-8a80a1165891" xmlns:ns4="230e9df3-be65-4c73-a93b-d1236ebd677e" targetNamespace="http://schemas.microsoft.com/office/2006/metadata/properties" ma:root="true" ma:fieldsID="7dd78129e6a1811f84807ad11c651531" ns1:_="" ns2:_="" ns3:_="" ns4:_="">
     <xsd:import namespace="http://schemas.microsoft.com/sharepoint/v3"/>
@@ -43728,34 +43709,36 @@
 </ct:contentTypeSchema>
 </file>
 
-<file path=customXml/itemProps1.xml><?xml version="1.0" encoding="utf-8"?>
-<ds:datastoreItem xmlns:ds="http://schemas.openxmlformats.org/officeDocument/2006/customXml" ds:itemID="{F4AD51DF-C727-4608-B606-5D6C957D4C4D}">
-  <ds:schemaRefs>
-    <ds:schemaRef ds:uri="http://purl.org/dc/dcmitype/"/>
-    <ds:schemaRef ds:uri="http://schemas.microsoft.com/office/infopath/2007/PartnerControls"/>
-    <ds:schemaRef ds:uri="http://purl.org/dc/elements/1.1/"/>
-    <ds:schemaRef ds:uri="http://schemas.microsoft.com/office/2006/metadata/properties"/>
-    <ds:schemaRef ds:uri="http://schemas.microsoft.com/office/2006/documentManagement/types"/>
-    <ds:schemaRef ds:uri="230e9df3-be65-4c73-a93b-d1236ebd677e"/>
-    <ds:schemaRef ds:uri="http://purl.org/dc/terms/"/>
-    <ds:schemaRef ds:uri="http://schemas.openxmlformats.org/package/2006/metadata/core-properties"/>
-    <ds:schemaRef ds:uri="16c05727-aa75-4e4a-9b5f-8a80a1165891"/>
-    <ds:schemaRef ds:uri="71af3243-3dd4-4a8d-8c0d-dd76da1f02a5"/>
-    <ds:schemaRef ds:uri="http://schemas.microsoft.com/sharepoint/v3"/>
-    <ds:schemaRef ds:uri="http://www.w3.org/XML/1998/namespace"/>
-  </ds:schemaRefs>
-</ds:datastoreItem>
+<file path=customXml/item2.xml><?xml version="1.0" encoding="utf-8"?>
+<?mso-contentType ?>
+<FormTemplates xmlns="http://schemas.microsoft.com/sharepoint/v3/contenttype/forms">
+  <Display>DocumentLibraryForm</Display>
+  <Edit>DocumentLibraryForm</Edit>
+  <New>DocumentLibraryForm</New>
+</FormTemplates>
 </file>
 
-<file path=customXml/itemProps2.xml><?xml version="1.0" encoding="utf-8"?>
-<ds:datastoreItem xmlns:ds="http://schemas.openxmlformats.org/officeDocument/2006/customXml" ds:itemID="{1E0D8C9A-C895-482B-B501-694996FFDE4D}">
-  <ds:schemaRefs>
-    <ds:schemaRef ds:uri="http://schemas.microsoft.com/sharepoint/v3/contenttype/forms"/>
-  </ds:schemaRefs>
-</ds:datastoreItem>
+<file path=customXml/item3.xml><?xml version="1.0" encoding="utf-8"?>
+<p:properties xmlns:p="http://schemas.microsoft.com/office/2006/metadata/properties" xmlns:xsi="http://www.w3.org/2001/XMLSchema-instance" xmlns:pc="http://schemas.microsoft.com/office/infopath/2007/PartnerControls">
+  <documentManagement>
+    <_ip_UnifiedCompliancePolicyUIAction xmlns="http://schemas.microsoft.com/sharepoint/v3" xsi:nil="true"/>
+    <Image xmlns="71af3243-3dd4-4a8d-8c0d-dd76da1f02a5">
+      <Url xsi:nil="true"/>
+      <Description xsi:nil="true"/>
+    </Image>
+    <Status xmlns="71af3243-3dd4-4a8d-8c0d-dd76da1f02a5">Not started</Status>
+    <Background xmlns="71af3243-3dd4-4a8d-8c0d-dd76da1f02a5">false</Background>
+    <_ip_UnifiedCompliancePolicyProperties xmlns="http://schemas.microsoft.com/sharepoint/v3" xsi:nil="true"/>
+    <ImageTagsTaxHTField xmlns="71af3243-3dd4-4a8d-8c0d-dd76da1f02a5">
+      <Terms xmlns="http://schemas.microsoft.com/office/infopath/2007/PartnerControls"/>
+    </ImageTagsTaxHTField>
+    <TaxCatchAll xmlns="230e9df3-be65-4c73-a93b-d1236ebd677e" xsi:nil="true"/>
+    <MediaServiceKeyPoints xmlns="71af3243-3dd4-4a8d-8c0d-dd76da1f02a5" xsi:nil="true"/>
+  </documentManagement>
+</p:properties>
 </file>
 
-<file path=customXml/itemProps3.xml><?xml version="1.0" encoding="utf-8"?>
+<file path=customXml/itemProps1.xml><?xml version="1.0" encoding="utf-8"?>
 <ds:datastoreItem xmlns:ds="http://schemas.openxmlformats.org/officeDocument/2006/customXml" ds:itemID="{C511997D-2559-4D54-8469-327570B1872D}">
   <ds:schemaRefs>
     <ds:schemaRef ds:uri="http://schemas.microsoft.com/office/2006/metadata/contentType"/>
@@ -43776,6 +43759,33 @@
 </ds:datastoreItem>
 </file>
 
+<file path=customXml/itemProps2.xml><?xml version="1.0" encoding="utf-8"?>
+<ds:datastoreItem xmlns:ds="http://schemas.openxmlformats.org/officeDocument/2006/customXml" ds:itemID="{1E0D8C9A-C895-482B-B501-694996FFDE4D}">
+  <ds:schemaRefs>
+    <ds:schemaRef ds:uri="http://schemas.microsoft.com/sharepoint/v3/contenttype/forms"/>
+  </ds:schemaRefs>
+</ds:datastoreItem>
+</file>
+
+<file path=customXml/itemProps3.xml><?xml version="1.0" encoding="utf-8"?>
+<ds:datastoreItem xmlns:ds="http://schemas.openxmlformats.org/officeDocument/2006/customXml" ds:itemID="{F4AD51DF-C727-4608-B606-5D6C957D4C4D}">
+  <ds:schemaRefs>
+    <ds:schemaRef ds:uri="http://purl.org/dc/dcmitype/"/>
+    <ds:schemaRef ds:uri="http://schemas.microsoft.com/office/infopath/2007/PartnerControls"/>
+    <ds:schemaRef ds:uri="http://purl.org/dc/elements/1.1/"/>
+    <ds:schemaRef ds:uri="http://schemas.microsoft.com/office/2006/metadata/properties"/>
+    <ds:schemaRef ds:uri="http://schemas.microsoft.com/office/2006/documentManagement/types"/>
+    <ds:schemaRef ds:uri="230e9df3-be65-4c73-a93b-d1236ebd677e"/>
+    <ds:schemaRef ds:uri="http://purl.org/dc/terms/"/>
+    <ds:schemaRef ds:uri="http://schemas.openxmlformats.org/package/2006/metadata/core-properties"/>
+    <ds:schemaRef ds:uri="16c05727-aa75-4e4a-9b5f-8a80a1165891"/>
+    <ds:schemaRef ds:uri="71af3243-3dd4-4a8d-8c0d-dd76da1f02a5"/>
+    <ds:schemaRef ds:uri="http://schemas.microsoft.com/sharepoint/v3"/>
+    <ds:schemaRef ds:uri="http://www.w3.org/XML/1998/namespace"/>
+  </ds:schemaRefs>
+</ds:datastoreItem>
+</file>
+
 <file path=docMetadata/LabelInfo.xml><?xml version="1.0" encoding="utf-8"?>
 <clbl:labelList xmlns:clbl="http://schemas.microsoft.com/office/2020/mipLabelMetadata"/>
 </file>